--- a/FunTracker.pptx
+++ b/FunTracker.pptx
@@ -9,8 +9,8 @@
     <p:sldId id="257" r:id="rId3"/>
     <p:sldId id="258" r:id="rId4"/>
     <p:sldId id="261" r:id="rId5"/>
-    <p:sldId id="262" r:id="rId6"/>
-    <p:sldId id="263" r:id="rId7"/>
+    <p:sldId id="263" r:id="rId6"/>
+    <p:sldId id="262" r:id="rId7"/>
     <p:sldId id="264" r:id="rId8"/>
     <p:sldId id="259" r:id="rId9"/>
     <p:sldId id="260" r:id="rId10"/>
@@ -112,6 +112,11 @@
       </a:defRPr>
     </a:lvl9pPr>
   </p:defaultTextStyle>
+  <p:extLst>
+    <p:ext uri="{EFAFB233-063F-42B5-8137-9DF3F51BA10A}">
+      <p15:sldGuideLst xmlns:p15="http://schemas.microsoft.com/office/powerpoint/2012/main"/>
+    </p:ext>
+  </p:extLst>
 </p:presentation>
 </file>
 
@@ -303,7 +308,7 @@
           <a:p>
             <a:fld id="{F71253B6-41C2-472D-905B-D80F404BABF9}" type="datetimeFigureOut">
               <a:rPr lang="pt-PT" smtClean="0"/>
-              <a:t>04/12/2021</a:t>
+              <a:t>06/12/2021</a:t>
             </a:fld>
             <a:endParaRPr lang="pt-PT"/>
           </a:p>
@@ -641,7 +646,7 @@
           <a:p>
             <a:fld id="{F71253B6-41C2-472D-905B-D80F404BABF9}" type="datetimeFigureOut">
               <a:rPr lang="pt-PT" smtClean="0"/>
-              <a:t>04/12/2021</a:t>
+              <a:t>06/12/2021</a:t>
             </a:fld>
             <a:endParaRPr lang="pt-PT"/>
           </a:p>
@@ -1042,7 +1047,7 @@
           <a:p>
             <a:fld id="{F71253B6-41C2-472D-905B-D80F404BABF9}" type="datetimeFigureOut">
               <a:rPr lang="pt-PT" smtClean="0"/>
-              <a:t>04/12/2021</a:t>
+              <a:t>06/12/2021</a:t>
             </a:fld>
             <a:endParaRPr lang="pt-PT"/>
           </a:p>
@@ -1378,7 +1383,7 @@
           <a:p>
             <a:fld id="{F71253B6-41C2-472D-905B-D80F404BABF9}" type="datetimeFigureOut">
               <a:rPr lang="pt-PT" smtClean="0"/>
-              <a:t>04/12/2021</a:t>
+              <a:t>06/12/2021</a:t>
             </a:fld>
             <a:endParaRPr lang="pt-PT"/>
           </a:p>
@@ -1698,7 +1703,7 @@
           <a:p>
             <a:fld id="{F71253B6-41C2-472D-905B-D80F404BABF9}" type="datetimeFigureOut">
               <a:rPr lang="pt-PT" smtClean="0"/>
-              <a:t>04/12/2021</a:t>
+              <a:t>06/12/2021</a:t>
             </a:fld>
             <a:endParaRPr lang="pt-PT"/>
           </a:p>
@@ -2094,7 +2099,7 @@
           <a:p>
             <a:fld id="{F71253B6-41C2-472D-905B-D80F404BABF9}" type="datetimeFigureOut">
               <a:rPr lang="pt-PT" smtClean="0"/>
-              <a:t>04/12/2021</a:t>
+              <a:t>06/12/2021</a:t>
             </a:fld>
             <a:endParaRPr lang="pt-PT"/>
           </a:p>
@@ -2351,7 +2356,7 @@
           <a:p>
             <a:fld id="{F71253B6-41C2-472D-905B-D80F404BABF9}" type="datetimeFigureOut">
               <a:rPr lang="pt-PT" smtClean="0"/>
-              <a:t>04/12/2021</a:t>
+              <a:t>06/12/2021</a:t>
             </a:fld>
             <a:endParaRPr lang="pt-PT"/>
           </a:p>
@@ -2613,7 +2618,7 @@
           <a:p>
             <a:fld id="{F71253B6-41C2-472D-905B-D80F404BABF9}" type="datetimeFigureOut">
               <a:rPr lang="pt-PT" smtClean="0"/>
-              <a:t>04/12/2021</a:t>
+              <a:t>06/12/2021</a:t>
             </a:fld>
             <a:endParaRPr lang="pt-PT"/>
           </a:p>
@@ -2875,7 +2880,7 @@
           <a:p>
             <a:fld id="{F71253B6-41C2-472D-905B-D80F404BABF9}" type="datetimeFigureOut">
               <a:rPr lang="pt-PT" smtClean="0"/>
-              <a:t>04/12/2021</a:t>
+              <a:t>06/12/2021</a:t>
             </a:fld>
             <a:endParaRPr lang="pt-PT"/>
           </a:p>
@@ -3204,7 +3209,7 @@
           <a:p>
             <a:fld id="{F71253B6-41C2-472D-905B-D80F404BABF9}" type="datetimeFigureOut">
               <a:rPr lang="pt-PT" smtClean="0"/>
-              <a:t>04/12/2021</a:t>
+              <a:t>06/12/2021</a:t>
             </a:fld>
             <a:endParaRPr lang="pt-PT"/>
           </a:p>
@@ -3527,7 +3532,7 @@
           <a:p>
             <a:fld id="{F71253B6-41C2-472D-905B-D80F404BABF9}" type="datetimeFigureOut">
               <a:rPr lang="pt-PT" smtClean="0"/>
-              <a:t>04/12/2021</a:t>
+              <a:t>06/12/2021</a:t>
             </a:fld>
             <a:endParaRPr lang="pt-PT"/>
           </a:p>
@@ -3984,7 +3989,7 @@
           <a:p>
             <a:fld id="{F71253B6-41C2-472D-905B-D80F404BABF9}" type="datetimeFigureOut">
               <a:rPr lang="pt-PT" smtClean="0"/>
-              <a:t>04/12/2021</a:t>
+              <a:t>06/12/2021</a:t>
             </a:fld>
             <a:endParaRPr lang="pt-PT"/>
           </a:p>
@@ -4189,7 +4194,7 @@
           <a:p>
             <a:fld id="{F71253B6-41C2-472D-905B-D80F404BABF9}" type="datetimeFigureOut">
               <a:rPr lang="pt-PT" smtClean="0"/>
-              <a:t>04/12/2021</a:t>
+              <a:t>06/12/2021</a:t>
             </a:fld>
             <a:endParaRPr lang="pt-PT"/>
           </a:p>
@@ -4366,7 +4371,7 @@
           <a:p>
             <a:fld id="{F71253B6-41C2-472D-905B-D80F404BABF9}" type="datetimeFigureOut">
               <a:rPr lang="pt-PT" smtClean="0"/>
-              <a:t>04/12/2021</a:t>
+              <a:t>06/12/2021</a:t>
             </a:fld>
             <a:endParaRPr lang="pt-PT"/>
           </a:p>
@@ -4699,7 +4704,7 @@
           <a:p>
             <a:fld id="{F71253B6-41C2-472D-905B-D80F404BABF9}" type="datetimeFigureOut">
               <a:rPr lang="pt-PT" smtClean="0"/>
-              <a:t>04/12/2021</a:t>
+              <a:t>06/12/2021</a:t>
             </a:fld>
             <a:endParaRPr lang="pt-PT"/>
           </a:p>
@@ -5044,7 +5049,7 @@
           <a:p>
             <a:fld id="{F71253B6-41C2-472D-905B-D80F404BABF9}" type="datetimeFigureOut">
               <a:rPr lang="pt-PT" smtClean="0"/>
-              <a:t>04/12/2021</a:t>
+              <a:t>06/12/2021</a:t>
             </a:fld>
             <a:endParaRPr lang="pt-PT"/>
           </a:p>
@@ -7161,7 +7166,7 @@
           <a:p>
             <a:fld id="{F71253B6-41C2-472D-905B-D80F404BABF9}" type="datetimeFigureOut">
               <a:rPr lang="pt-PT" smtClean="0"/>
-              <a:t>04/12/2021</a:t>
+              <a:t>06/12/2021</a:t>
             </a:fld>
             <a:endParaRPr lang="pt-PT"/>
           </a:p>
@@ -8682,7 +8687,7 @@
           <a:p>
             <a:r>
               <a:rPr lang="pt-BR" dirty="0"/>
-              <a:t>Utilizador capaz de se autentificar na aplicação </a:t>
+              <a:t>Utilizador capaz de se autenticar na aplicação </a:t>
             </a:r>
             <a:endParaRPr lang="pt-PT" dirty="0"/>
           </a:p>
@@ -8981,27 +8986,9 @@
   <p:cSld>
     <p:bg>
       <p:bgPr>
-        <a:gradFill rotWithShape="1">
-          <a:gsLst>
-            <a:gs pos="0">
-              <a:schemeClr val="bg2">
-                <a:tint val="90000"/>
-                <a:satMod val="92000"/>
-                <a:lumMod val="120000"/>
-              </a:schemeClr>
-            </a:gs>
-            <a:gs pos="100000">
-              <a:schemeClr val="bg2">
-                <a:shade val="98000"/>
-                <a:satMod val="120000"/>
-                <a:lumMod val="98000"/>
-              </a:schemeClr>
-            </a:gs>
-          </a:gsLst>
-          <a:path path="circle">
-            <a:fillToRect l="50000" t="50000" r="100000" b="100000"/>
-          </a:path>
-        </a:gradFill>
+        <a:solidFill>
+          <a:schemeClr val="bg1"/>
+        </a:solidFill>
         <a:effectLst/>
       </p:bgPr>
     </p:bg>
@@ -9019,12 +9006,101 @@
           <a:chExt cx="0" cy="0"/>
         </a:xfrm>
       </p:grpSpPr>
+      <p:sp useBgFill="1">
+        <p:nvSpPr>
+          <p:cNvPr id="25" name="Rectangle 24">
+            <a:extLst>
+              <a:ext uri="{FF2B5EF4-FFF2-40B4-BE49-F238E27FC236}">
+                <a16:creationId xmlns:a16="http://schemas.microsoft.com/office/drawing/2014/main" id="{763516C8-F227-4B77-9AA7-61B9A0B78253}"/>
+              </a:ext>
+              <a:ext uri="{C183D7F6-B498-43B3-948B-1728B52AA6E4}">
+                <adec:decorative xmlns:adec="http://schemas.microsoft.com/office/drawing/2017/decorative" val="1"/>
+              </a:ext>
+            </a:extLst>
+          </p:cNvPr>
+          <p:cNvSpPr>
+            <a:spLocks noGrp="1" noRot="1" noChangeAspect="1" noMove="1" noResize="1" noEditPoints="1" noAdjustHandles="1" noChangeArrowheads="1" noChangeShapeType="1" noTextEdit="1"/>
+          </p:cNvSpPr>
+          <p:nvPr>
+            <p:extLst>
+              <p:ext uri="{386F3935-93C4-4BCD-93E2-E3B085C9AB24}">
+                <p16:designElem xmlns:p16="http://schemas.microsoft.com/office/powerpoint/2015/main" val="1"/>
+              </p:ext>
+            </p:extLst>
+          </p:nvPr>
+        </p:nvSpPr>
+        <p:spPr>
+          <a:xfrm>
+            <a:off x="0" y="0"/>
+            <a:ext cx="12192000" cy="6854038"/>
+          </a:xfrm>
+          <a:prstGeom prst="rect">
+            <a:avLst/>
+          </a:prstGeom>
+          <a:ln>
+            <a:noFill/>
+          </a:ln>
+        </p:spPr>
+        <p:style>
+          <a:lnRef idx="2">
+            <a:schemeClr val="accent1">
+              <a:shade val="50000"/>
+            </a:schemeClr>
+          </a:lnRef>
+          <a:fillRef idx="1">
+            <a:schemeClr val="accent1"/>
+          </a:fillRef>
+          <a:effectRef idx="0">
+            <a:schemeClr val="accent1"/>
+          </a:effectRef>
+          <a:fontRef idx="minor">
+            <a:schemeClr val="lt1"/>
+          </a:fontRef>
+        </p:style>
+        <p:txBody>
+          <a:bodyPr rtlCol="0" anchor="ctr"/>
+          <a:lstStyle/>
+          <a:p>
+            <a:pPr marL="0" marR="0" lvl="0" indent="0" algn="ctr" defTabSz="914400" rtl="0" eaLnBrk="1" fontAlgn="auto" latinLnBrk="0" hangingPunct="1">
+              <a:lnSpc>
+                <a:spcPct val="100000"/>
+              </a:lnSpc>
+              <a:spcBef>
+                <a:spcPts val="0"/>
+              </a:spcBef>
+              <a:spcAft>
+                <a:spcPts val="0"/>
+              </a:spcAft>
+              <a:buClrTx/>
+              <a:buSzTx/>
+              <a:buFontTx/>
+              <a:buNone/>
+              <a:tabLst/>
+              <a:defRPr/>
+            </a:pPr>
+            <a:endParaRPr kumimoji="0" lang="en-US" sz="1800" b="0" i="0" u="none" strike="noStrike" kern="1200" cap="none" spc="0" normalizeH="0" baseline="0" noProof="0">
+              <a:ln>
+                <a:noFill/>
+              </a:ln>
+              <a:solidFill>
+                <a:prstClr val="white"/>
+              </a:solidFill>
+              <a:effectLst/>
+              <a:uLnTx/>
+              <a:uFillTx/>
+              <a:latin typeface="Century Gothic" panose="020B0502020202020204"/>
+              <a:ea typeface="+mn-ea"/>
+              <a:cs typeface="+mn-cs"/>
+            </a:endParaRPr>
+          </a:p>
+        </p:txBody>
+      </p:sp>
       <p:sp>
         <p:nvSpPr>
           <p:cNvPr id="2" name="Título 1">
             <a:extLst>
               <a:ext uri="{FF2B5EF4-FFF2-40B4-BE49-F238E27FC236}">
-                <a16:creationId xmlns:a16="http://schemas.microsoft.com/office/drawing/2014/main" id="{7C05A58C-833D-4835-96FF-6B76BC4FE1B1}"/>
+                <a16:creationId xmlns:a16="http://schemas.microsoft.com/office/drawing/2014/main" id="{3071C07C-1BB6-4594-863E-555D7975BE5A}"/>
               </a:ext>
             </a:extLst>
           </p:cNvPr>
@@ -9037,84 +9113,152 @@
         </p:nvSpPr>
         <p:spPr>
           <a:xfrm>
-            <a:off x="1687669" y="624110"/>
-            <a:ext cx="4137059" cy="1280890"/>
+            <a:off x="2592925" y="3979877"/>
+            <a:ext cx="8911687" cy="778589"/>
           </a:xfrm>
         </p:spPr>
         <p:txBody>
-          <a:bodyPr>
+          <a:bodyPr anchor="b">
             <a:normAutofit/>
           </a:bodyPr>
           <a:lstStyle/>
           <a:p>
-            <a:r>
-              <a:rPr lang="pt-BR" sz="3200"/>
-              <a:t>Subsistema de Localização</a:t>
-            </a:r>
-            <a:endParaRPr lang="pt-PT" sz="3200"/>
-          </a:p>
-        </p:txBody>
-      </p:sp>
-      <p:sp>
-        <p:nvSpPr>
-          <p:cNvPr id="3" name="Marcador de Posição de Conteúdo 2">
+            <a:pPr>
+              <a:lnSpc>
+                <a:spcPct val="90000"/>
+              </a:lnSpc>
+            </a:pPr>
+            <a:r>
+              <a:rPr lang="pt-BR" sz="2400"/>
+              <a:t>Subsistema de Filtros e Avaliação</a:t>
+            </a:r>
+            <a:br>
+              <a:rPr lang="pt-BR" sz="2400"/>
+            </a:br>
+            <a:endParaRPr lang="pt-PT" sz="2400"/>
+          </a:p>
+        </p:txBody>
+      </p:sp>
+      <p:sp>
+        <p:nvSpPr>
+          <p:cNvPr id="27" name="Rectangle 26">
             <a:extLst>
               <a:ext uri="{FF2B5EF4-FFF2-40B4-BE49-F238E27FC236}">
-                <a16:creationId xmlns:a16="http://schemas.microsoft.com/office/drawing/2014/main" id="{E1F48BF1-C018-4306-A983-D6B8D9CE168F}"/>
+                <a16:creationId xmlns:a16="http://schemas.microsoft.com/office/drawing/2014/main" id="{D91B420C-C4C8-44DF-96B2-FBD1014646FE}"/>
+              </a:ext>
+              <a:ext uri="{C183D7F6-B498-43B3-948B-1728B52AA6E4}">
+                <adec:decorative xmlns:adec="http://schemas.microsoft.com/office/drawing/2017/decorative" val="1"/>
               </a:ext>
             </a:extLst>
           </p:cNvPr>
           <p:cNvSpPr>
-            <a:spLocks noGrp="1"/>
-          </p:cNvSpPr>
-          <p:nvPr>
-            <p:ph idx="1"/>
+            <a:spLocks noGrp="1" noRot="1" noChangeAspect="1" noMove="1" noResize="1" noEditPoints="1" noAdjustHandles="1" noChangeArrowheads="1" noChangeShapeType="1" noTextEdit="1"/>
+          </p:cNvSpPr>
+          <p:nvPr>
+            <p:extLst>
+              <p:ext uri="{386F3935-93C4-4BCD-93E2-E3B085C9AB24}">
+                <p16:designElem xmlns:p16="http://schemas.microsoft.com/office/powerpoint/2015/main" val="1"/>
+              </p:ext>
+            </p:extLst>
           </p:nvPr>
         </p:nvSpPr>
         <p:spPr>
           <a:xfrm>
-            <a:off x="1683956" y="2133600"/>
-            <a:ext cx="4140772" cy="3777622"/>
-          </a:xfrm>
+            <a:off x="0" y="0"/>
+            <a:ext cx="182880" cy="6858000"/>
+          </a:xfrm>
+          <a:prstGeom prst="rect">
+            <a:avLst/>
+          </a:prstGeom>
+          <a:solidFill>
+            <a:srgbClr val="544341"/>
+          </a:solidFill>
+          <a:ln>
+            <a:noFill/>
+          </a:ln>
+          <a:effectLst/>
         </p:spPr>
-        <p:txBody>
-          <a:bodyPr>
-            <a:normAutofit/>
-          </a:bodyPr>
-          <a:lstStyle/>
-          <a:p>
-            <a:r>
-              <a:rPr lang="pt-BR" sz="1600" dirty="0">
-                <a:solidFill>
-                  <a:srgbClr val="000000"/>
-                </a:solidFill>
-              </a:rPr>
-              <a:t>Utilizador capaz de atualizar a sua localização</a:t>
-            </a:r>
-          </a:p>
-          <a:p>
-            <a:r>
-              <a:rPr lang="pt-BR" sz="1600" dirty="0">
-                <a:solidFill>
-                  <a:srgbClr val="000000"/>
-                </a:solidFill>
-              </a:rPr>
-              <a:t>Utilizador capaz de consultar localização de um estabelecimento e receber direções para o mesmo</a:t>
-            </a:r>
-            <a:endParaRPr lang="pt-PT" sz="1600" dirty="0">
-              <a:solidFill>
-                <a:srgbClr val="000000"/>
-              </a:solidFill>
-            </a:endParaRPr>
-          </a:p>
-        </p:txBody>
-      </p:sp>
+        <p:style>
+          <a:lnRef idx="1">
+            <a:schemeClr val="accent1"/>
+          </a:lnRef>
+          <a:fillRef idx="3">
+            <a:schemeClr val="accent1"/>
+          </a:fillRef>
+          <a:effectRef idx="2">
+            <a:schemeClr val="accent1"/>
+          </a:effectRef>
+          <a:fontRef idx="minor">
+            <a:schemeClr val="lt1"/>
+          </a:fontRef>
+        </p:style>
+      </p:sp>
+      <p:pic>
+        <p:nvPicPr>
+          <p:cNvPr id="7" name="Imagem 6">
+            <a:extLst>
+              <a:ext uri="{FF2B5EF4-FFF2-40B4-BE49-F238E27FC236}">
+                <a16:creationId xmlns:a16="http://schemas.microsoft.com/office/drawing/2014/main" id="{3789C045-0EBB-4498-A926-1B6611FD708E}"/>
+              </a:ext>
+            </a:extLst>
+          </p:cNvPr>
+          <p:cNvPicPr>
+            <a:picLocks noChangeAspect="1"/>
+          </p:cNvPicPr>
+          <p:nvPr/>
+        </p:nvPicPr>
+        <p:blipFill>
+          <a:blip r:embed="rId2"/>
+          <a:stretch>
+            <a:fillRect/>
+          </a:stretch>
+        </p:blipFill>
+        <p:spPr>
+          <a:xfrm>
+            <a:off x="2994000" y="165723"/>
+            <a:ext cx="1726474" cy="3487829"/>
+          </a:xfrm>
+          <a:prstGeom prst="rect">
+            <a:avLst/>
+          </a:prstGeom>
+        </p:spPr>
+      </p:pic>
       <p:pic>
         <p:nvPicPr>
           <p:cNvPr id="5" name="Imagem 4">
             <a:extLst>
               <a:ext uri="{FF2B5EF4-FFF2-40B4-BE49-F238E27FC236}">
-                <a16:creationId xmlns:a16="http://schemas.microsoft.com/office/drawing/2014/main" id="{AA2B2020-277E-4D26-AD02-9493A4A4457B}"/>
+                <a16:creationId xmlns:a16="http://schemas.microsoft.com/office/drawing/2014/main" id="{03BEF007-EB55-420B-8E37-36A022D082B8}"/>
+              </a:ext>
+            </a:extLst>
+          </p:cNvPr>
+          <p:cNvPicPr>
+            <a:picLocks noChangeAspect="1"/>
+          </p:cNvPicPr>
+          <p:nvPr/>
+        </p:nvPicPr>
+        <p:blipFill>
+          <a:blip r:embed="rId3"/>
+          <a:stretch>
+            <a:fillRect/>
+          </a:stretch>
+        </p:blipFill>
+        <p:spPr>
+          <a:xfrm>
+            <a:off x="822104" y="165723"/>
+            <a:ext cx="1726474" cy="3523417"/>
+          </a:xfrm>
+          <a:prstGeom prst="rect">
+            <a:avLst/>
+          </a:prstGeom>
+        </p:spPr>
+      </p:pic>
+      <p:pic>
+        <p:nvPicPr>
+          <p:cNvPr id="10" name="Imagem 9">
+            <a:extLst>
+              <a:ext uri="{FF2B5EF4-FFF2-40B4-BE49-F238E27FC236}">
+                <a16:creationId xmlns:a16="http://schemas.microsoft.com/office/drawing/2014/main" id="{AB33D02D-010A-489A-9653-D4E814FAC3E2}"/>
               </a:ext>
             </a:extLst>
           </p:cNvPr>
@@ -9124,14 +9268,14 @@
           <p:nvPr/>
         </p:nvPicPr>
         <p:blipFill rotWithShape="1">
-          <a:blip r:embed="rId2"/>
-          <a:srcRect r="-3" b="1379"/>
+          <a:blip r:embed="rId4"/>
+          <a:srcRect r="384" b="-1"/>
           <a:stretch/>
         </p:blipFill>
         <p:spPr>
           <a:xfrm>
-            <a:off x="6091918" y="623190"/>
-            <a:ext cx="2640877" cy="5288032"/>
+            <a:off x="5220870" y="165722"/>
+            <a:ext cx="1745886" cy="3487829"/>
           </a:xfrm>
           <a:prstGeom prst="rect">
             <a:avLst/>
@@ -9140,10 +9284,10 @@
       </p:pic>
       <p:pic>
         <p:nvPicPr>
-          <p:cNvPr id="7" name="Imagem 6">
+          <p:cNvPr id="11" name="Imagem 10">
             <a:extLst>
               <a:ext uri="{FF2B5EF4-FFF2-40B4-BE49-F238E27FC236}">
-                <a16:creationId xmlns:a16="http://schemas.microsoft.com/office/drawing/2014/main" id="{50F2260A-D772-4933-B1FD-FD2CE2A1723C}"/>
+                <a16:creationId xmlns:a16="http://schemas.microsoft.com/office/drawing/2014/main" id="{307F74F9-0404-4E8C-96B3-D078FD2256AC}"/>
               </a:ext>
             </a:extLst>
           </p:cNvPr>
@@ -9152,15 +9296,193 @@
           </p:cNvPicPr>
           <p:nvPr/>
         </p:nvPicPr>
-        <p:blipFill rotWithShape="1">
-          <a:blip r:embed="rId3"/>
-          <a:srcRect r="384" b="-1"/>
-          <a:stretch/>
+        <p:blipFill>
+          <a:blip r:embed="rId5"/>
+          <a:stretch>
+            <a:fillRect/>
+          </a:stretch>
         </p:blipFill>
         <p:spPr>
           <a:xfrm>
-            <a:off x="8896517" y="623190"/>
-            <a:ext cx="2647024" cy="5288032"/>
+            <a:off x="7382536" y="144233"/>
+            <a:ext cx="1745885" cy="3509318"/>
+          </a:xfrm>
+          <a:prstGeom prst="rect">
+            <a:avLst/>
+          </a:prstGeom>
+        </p:spPr>
+      </p:pic>
+      <p:sp>
+        <p:nvSpPr>
+          <p:cNvPr id="29" name="Freeform 33">
+            <a:extLst>
+              <a:ext uri="{FF2B5EF4-FFF2-40B4-BE49-F238E27FC236}">
+                <a16:creationId xmlns:a16="http://schemas.microsoft.com/office/drawing/2014/main" id="{070928B1-3E69-44AC-A1EE-B4E4270A7A51}"/>
+              </a:ext>
+              <a:ext uri="{C183D7F6-B498-43B3-948B-1728B52AA6E4}">
+                <adec:decorative xmlns:adec="http://schemas.microsoft.com/office/drawing/2017/decorative" val="1"/>
+              </a:ext>
+            </a:extLst>
+          </p:cNvPr>
+          <p:cNvSpPr>
+            <a:spLocks noGrp="1" noRot="1" noChangeAspect="1" noMove="1" noResize="1" noEditPoints="1" noAdjustHandles="1" noChangeArrowheads="1" noChangeShapeType="1" noTextEdit="1"/>
+          </p:cNvSpPr>
+          <p:nvPr>
+            <p:extLst>
+              <p:ext uri="{386F3935-93C4-4BCD-93E2-E3B085C9AB24}">
+                <p16:designElem xmlns:p16="http://schemas.microsoft.com/office/powerpoint/2015/main" val="1"/>
+              </p:ext>
+            </p:extLst>
+          </p:nvPr>
+        </p:nvSpPr>
+        <p:spPr bwMode="auto">
+          <a:xfrm>
+            <a:off x="0" y="4369172"/>
+            <a:ext cx="1744652" cy="778589"/>
+          </a:xfrm>
+          <a:custGeom>
+            <a:avLst/>
+            <a:gdLst/>
+            <a:ahLst/>
+            <a:cxnLst/>
+            <a:rect l="0" t="0" r="r" b="b"/>
+            <a:pathLst>
+              <a:path w="372" h="166">
+                <a:moveTo>
+                  <a:pt x="287" y="166"/>
+                </a:moveTo>
+                <a:cubicBezTo>
+                  <a:pt x="290" y="166"/>
+                  <a:pt x="292" y="165"/>
+                  <a:pt x="293" y="164"/>
+                </a:cubicBezTo>
+                <a:cubicBezTo>
+                  <a:pt x="293" y="163"/>
+                  <a:pt x="294" y="163"/>
+                  <a:pt x="294" y="163"/>
+                </a:cubicBezTo>
+                <a:cubicBezTo>
+                  <a:pt x="370" y="87"/>
+                  <a:pt x="370" y="87"/>
+                  <a:pt x="370" y="87"/>
+                </a:cubicBezTo>
+                <a:cubicBezTo>
+                  <a:pt x="372" y="85"/>
+                  <a:pt x="372" y="81"/>
+                  <a:pt x="370" y="78"/>
+                </a:cubicBezTo>
+                <a:cubicBezTo>
+                  <a:pt x="294" y="3"/>
+                  <a:pt x="294" y="3"/>
+                  <a:pt x="294" y="3"/>
+                </a:cubicBezTo>
+                <a:cubicBezTo>
+                  <a:pt x="294" y="2"/>
+                  <a:pt x="293" y="2"/>
+                  <a:pt x="293" y="2"/>
+                </a:cubicBezTo>
+                <a:cubicBezTo>
+                  <a:pt x="292" y="1"/>
+                  <a:pt x="290" y="0"/>
+                  <a:pt x="287" y="0"/>
+                </a:cubicBezTo>
+                <a:cubicBezTo>
+                  <a:pt x="0" y="0"/>
+                  <a:pt x="0" y="0"/>
+                  <a:pt x="0" y="0"/>
+                </a:cubicBezTo>
+                <a:cubicBezTo>
+                  <a:pt x="0" y="166"/>
+                  <a:pt x="0" y="166"/>
+                  <a:pt x="0" y="166"/>
+                </a:cubicBezTo>
+                <a:lnTo>
+                  <a:pt x="287" y="166"/>
+                </a:lnTo>
+                <a:close/>
+              </a:path>
+            </a:pathLst>
+          </a:custGeom>
+          <a:solidFill>
+            <a:schemeClr val="accent1"/>
+          </a:solidFill>
+          <a:ln>
+            <a:noFill/>
+          </a:ln>
+        </p:spPr>
+      </p:sp>
+      <p:sp>
+        <p:nvSpPr>
+          <p:cNvPr id="3" name="Marcador de Posição de Conteúdo 2">
+            <a:extLst>
+              <a:ext uri="{FF2B5EF4-FFF2-40B4-BE49-F238E27FC236}">
+                <a16:creationId xmlns:a16="http://schemas.microsoft.com/office/drawing/2014/main" id="{11A85C4B-5A67-4DB1-8AE8-27B265967B99}"/>
+              </a:ext>
+            </a:extLst>
+          </p:cNvPr>
+          <p:cNvSpPr>
+            <a:spLocks noGrp="1"/>
+          </p:cNvSpPr>
+          <p:nvPr>
+            <p:ph idx="1"/>
+          </p:nvPr>
+        </p:nvSpPr>
+        <p:spPr>
+          <a:xfrm>
+            <a:off x="2589212" y="4845585"/>
+            <a:ext cx="8915400" cy="1280890"/>
+          </a:xfrm>
+        </p:spPr>
+        <p:txBody>
+          <a:bodyPr>
+            <a:normAutofit/>
+          </a:bodyPr>
+          <a:lstStyle/>
+          <a:p>
+            <a:r>
+              <a:rPr lang="pt-BR" sz="1700"/>
+              <a:t>Utilizador capaz de receber uma lista de estabelecimentos filtrados a seu gosto</a:t>
+            </a:r>
+          </a:p>
+          <a:p>
+            <a:r>
+              <a:rPr lang="pt-PT" sz="1700"/>
+              <a:t>Utilizador capaz de fazer avaliações a estabelecimentos</a:t>
+            </a:r>
+            <a:endParaRPr lang="pt-BR" sz="1700"/>
+          </a:p>
+          <a:p>
+            <a:r>
+              <a:rPr lang="pt-PT" sz="1700"/>
+              <a:t>Utilizador capaz de aceder ao histórico de avaliações</a:t>
+            </a:r>
+          </a:p>
+        </p:txBody>
+      </p:sp>
+      <p:pic>
+        <p:nvPicPr>
+          <p:cNvPr id="6" name="Imagem 5">
+            <a:extLst>
+              <a:ext uri="{FF2B5EF4-FFF2-40B4-BE49-F238E27FC236}">
+                <a16:creationId xmlns:a16="http://schemas.microsoft.com/office/drawing/2014/main" id="{CBFE0A7A-FACF-4A7C-A25A-A7D95EB915C1}"/>
+              </a:ext>
+            </a:extLst>
+          </p:cNvPr>
+          <p:cNvPicPr>
+            <a:picLocks noChangeAspect="1"/>
+          </p:cNvPicPr>
+          <p:nvPr/>
+        </p:nvPicPr>
+        <p:blipFill>
+          <a:blip r:embed="rId6"/>
+          <a:stretch>
+            <a:fillRect/>
+          </a:stretch>
+        </p:blipFill>
+        <p:spPr>
+          <a:xfrm>
+            <a:off x="9544201" y="144233"/>
+            <a:ext cx="1744652" cy="3404321"/>
           </a:xfrm>
           <a:prstGeom prst="rect">
             <a:avLst/>
@@ -9170,12 +9492,12 @@
     </p:spTree>
     <p:extLst>
       <p:ext uri="{BB962C8B-B14F-4D97-AF65-F5344CB8AC3E}">
-        <p14:creationId xmlns:p14="http://schemas.microsoft.com/office/powerpoint/2010/main" val="3767045275"/>
+        <p14:creationId xmlns:p14="http://schemas.microsoft.com/office/powerpoint/2010/main" val="3527560336"/>
       </p:ext>
     </p:extLst>
   </p:cSld>
   <p:clrMapOvr>
-    <a:masterClrMapping/>
+    <a:overrideClrMapping bg1="lt1" tx1="dk1" bg2="lt2" tx2="dk2" accent1="accent1" accent2="accent2" accent3="accent3" accent4="accent4" accent5="accent5" accent6="accent6" hlink="hlink" folHlink="folHlink"/>
   </p:clrMapOvr>
 </p:sld>
 </file>
@@ -9223,879 +9545,12 @@
           <a:chExt cx="0" cy="0"/>
         </a:xfrm>
       </p:grpSpPr>
-      <p:sp>
-        <p:nvSpPr>
-          <p:cNvPr id="16" name="Rectangle 15">
+      <p:sp useBgFill="1">
+        <p:nvSpPr>
+          <p:cNvPr id="12" name="Rectangle 11">
             <a:extLst>
               <a:ext uri="{FF2B5EF4-FFF2-40B4-BE49-F238E27FC236}">
-                <a16:creationId xmlns:a16="http://schemas.microsoft.com/office/drawing/2014/main" id="{57192F49-4F32-4902-9643-D35FAAE92F47}"/>
-              </a:ext>
-              <a:ext uri="{C183D7F6-B498-43B3-948B-1728B52AA6E4}">
-                <adec:decorative xmlns:adec="http://schemas.microsoft.com/office/drawing/2017/decorative" val="1"/>
-              </a:ext>
-            </a:extLst>
-          </p:cNvPr>
-          <p:cNvSpPr>
-            <a:spLocks noGrp="1" noRot="1" noChangeAspect="1" noMove="1" noResize="1" noEditPoints="1" noAdjustHandles="1" noChangeArrowheads="1" noChangeShapeType="1" noTextEdit="1"/>
-          </p:cNvSpPr>
-          <p:nvPr>
-            <p:extLst>
-              <p:ext uri="{386F3935-93C4-4BCD-93E2-E3B085C9AB24}">
-                <p16:designElem xmlns:p16="http://schemas.microsoft.com/office/powerpoint/2015/main" val="1"/>
-              </p:ext>
-            </p:extLst>
-          </p:nvPr>
-        </p:nvSpPr>
-        <p:spPr>
-          <a:xfrm>
-            <a:off x="0" y="-786"/>
-            <a:ext cx="12192000" cy="6854038"/>
-          </a:xfrm>
-          <a:prstGeom prst="rect">
-            <a:avLst/>
-          </a:prstGeom>
-          <a:ln>
-            <a:noFill/>
-          </a:ln>
-        </p:spPr>
-        <p:style>
-          <a:lnRef idx="2">
-            <a:schemeClr val="accent1">
-              <a:shade val="50000"/>
-            </a:schemeClr>
-          </a:lnRef>
-          <a:fillRef idx="1003">
-            <a:schemeClr val="lt2"/>
-          </a:fillRef>
-          <a:effectRef idx="0">
-            <a:schemeClr val="accent1"/>
-          </a:effectRef>
-          <a:fontRef idx="minor">
-            <a:schemeClr val="lt1"/>
-          </a:fontRef>
-        </p:style>
-        <p:txBody>
-          <a:bodyPr rtlCol="0" anchor="ctr"/>
-          <a:lstStyle/>
-          <a:p>
-            <a:pPr algn="ctr"/>
-            <a:endParaRPr lang="en-US"/>
-          </a:p>
-        </p:txBody>
-      </p:sp>
-      <p:sp>
-        <p:nvSpPr>
-          <p:cNvPr id="18" name="Rectangle 17">
-            <a:extLst>
-              <a:ext uri="{FF2B5EF4-FFF2-40B4-BE49-F238E27FC236}">
-                <a16:creationId xmlns:a16="http://schemas.microsoft.com/office/drawing/2014/main" id="{871C244B-4FBB-4E09-81C7-1A171A61D889}"/>
-              </a:ext>
-              <a:ext uri="{C183D7F6-B498-43B3-948B-1728B52AA6E4}">
-                <adec:decorative xmlns:adec="http://schemas.microsoft.com/office/drawing/2017/decorative" val="1"/>
-              </a:ext>
-            </a:extLst>
-          </p:cNvPr>
-          <p:cNvSpPr>
-            <a:spLocks noGrp="1" noRot="1" noChangeAspect="1" noMove="1" noResize="1" noEditPoints="1" noAdjustHandles="1" noChangeArrowheads="1" noChangeShapeType="1" noTextEdit="1"/>
-          </p:cNvSpPr>
-          <p:nvPr>
-            <p:extLst>
-              <p:ext uri="{386F3935-93C4-4BCD-93E2-E3B085C9AB24}">
-                <p16:designElem xmlns:p16="http://schemas.microsoft.com/office/powerpoint/2015/main" val="1"/>
-              </p:ext>
-            </p:extLst>
-          </p:nvPr>
-        </p:nvSpPr>
-        <p:spPr bwMode="white">
-          <a:xfrm>
-            <a:off x="-1" y="0"/>
-            <a:ext cx="8229600" cy="6858000"/>
-          </a:xfrm>
-          <a:prstGeom prst="rect">
-            <a:avLst/>
-          </a:prstGeom>
-          <a:solidFill>
-            <a:schemeClr val="tx2">
-              <a:lumMod val="10000"/>
-              <a:alpha val="90000"/>
-            </a:schemeClr>
-          </a:solidFill>
-          <a:ln>
-            <a:noFill/>
-          </a:ln>
-          <a:effectLst/>
-        </p:spPr>
-        <p:style>
-          <a:lnRef idx="1">
-            <a:schemeClr val="accent1"/>
-          </a:lnRef>
-          <a:fillRef idx="3">
-            <a:schemeClr val="accent1"/>
-          </a:fillRef>
-          <a:effectRef idx="2">
-            <a:schemeClr val="accent1"/>
-          </a:effectRef>
-          <a:fontRef idx="minor">
-            <a:schemeClr val="lt1"/>
-          </a:fontRef>
-        </p:style>
-      </p:sp>
-      <p:sp>
-        <p:nvSpPr>
-          <p:cNvPr id="20" name="Freeform 5">
-            <a:extLst>
-              <a:ext uri="{FF2B5EF4-FFF2-40B4-BE49-F238E27FC236}">
-                <a16:creationId xmlns:a16="http://schemas.microsoft.com/office/drawing/2014/main" id="{EF394B70-9F87-4DE6-9A88-536BA283B25C}"/>
-              </a:ext>
-              <a:ext uri="{C183D7F6-B498-43B3-948B-1728B52AA6E4}">
-                <adec:decorative xmlns:adec="http://schemas.microsoft.com/office/drawing/2017/decorative" val="1"/>
-              </a:ext>
-            </a:extLst>
-          </p:cNvPr>
-          <p:cNvSpPr>
-            <a:spLocks noGrp="1" noRot="1" noChangeAspect="1" noMove="1" noResize="1" noEditPoints="1" noAdjustHandles="1" noChangeArrowheads="1" noChangeShapeType="1" noTextEdit="1"/>
-          </p:cNvSpPr>
-          <p:nvPr>
-            <p:extLst>
-              <p:ext uri="{386F3935-93C4-4BCD-93E2-E3B085C9AB24}">
-                <p16:designElem xmlns:p16="http://schemas.microsoft.com/office/powerpoint/2015/main" val="1"/>
-              </p:ext>
-            </p:extLst>
-          </p:nvPr>
-        </p:nvSpPr>
-        <p:spPr bwMode="grayWhite">
-          <a:xfrm>
-            <a:off x="1" y="659027"/>
-            <a:ext cx="9042690" cy="1035152"/>
-          </a:xfrm>
-          <a:custGeom>
-            <a:avLst/>
-            <a:gdLst>
-              <a:gd name="T0" fmla="*/ 1900 w 1902"/>
-              <a:gd name="T1" fmla="*/ 77 h 163"/>
-              <a:gd name="T2" fmla="*/ 1826 w 1902"/>
-              <a:gd name="T3" fmla="*/ 3 h 163"/>
-              <a:gd name="T4" fmla="*/ 1825 w 1902"/>
-              <a:gd name="T5" fmla="*/ 2 h 163"/>
-              <a:gd name="T6" fmla="*/ 1819 w 1902"/>
-              <a:gd name="T7" fmla="*/ 0 h 163"/>
-              <a:gd name="T8" fmla="*/ 1363 w 1902"/>
-              <a:gd name="T9" fmla="*/ 0 h 163"/>
-              <a:gd name="T10" fmla="*/ 1348 w 1902"/>
-              <a:gd name="T11" fmla="*/ 0 h 163"/>
-              <a:gd name="T12" fmla="*/ 1225 w 1902"/>
-              <a:gd name="T13" fmla="*/ 0 h 163"/>
-              <a:gd name="T14" fmla="*/ 1033 w 1902"/>
-              <a:gd name="T15" fmla="*/ 0 h 163"/>
-              <a:gd name="T16" fmla="*/ 892 w 1902"/>
-              <a:gd name="T17" fmla="*/ 0 h 163"/>
-              <a:gd name="T18" fmla="*/ 786 w 1902"/>
-              <a:gd name="T19" fmla="*/ 0 h 163"/>
-              <a:gd name="T20" fmla="*/ 577 w 1902"/>
-              <a:gd name="T21" fmla="*/ 0 h 163"/>
-              <a:gd name="T22" fmla="*/ 562 w 1902"/>
-              <a:gd name="T23" fmla="*/ 0 h 163"/>
-              <a:gd name="T24" fmla="*/ 439 w 1902"/>
-              <a:gd name="T25" fmla="*/ 0 h 163"/>
-              <a:gd name="T26" fmla="*/ 106 w 1902"/>
-              <a:gd name="T27" fmla="*/ 0 h 163"/>
-              <a:gd name="T28" fmla="*/ 0 w 1902"/>
-              <a:gd name="T29" fmla="*/ 0 h 163"/>
-              <a:gd name="T30" fmla="*/ 0 w 1902"/>
-              <a:gd name="T31" fmla="*/ 163 h 163"/>
-              <a:gd name="T32" fmla="*/ 106 w 1902"/>
-              <a:gd name="T33" fmla="*/ 163 h 163"/>
-              <a:gd name="T34" fmla="*/ 439 w 1902"/>
-              <a:gd name="T35" fmla="*/ 163 h 163"/>
-              <a:gd name="T36" fmla="*/ 562 w 1902"/>
-              <a:gd name="T37" fmla="*/ 163 h 163"/>
-              <a:gd name="T38" fmla="*/ 577 w 1902"/>
-              <a:gd name="T39" fmla="*/ 163 h 163"/>
-              <a:gd name="T40" fmla="*/ 786 w 1902"/>
-              <a:gd name="T41" fmla="*/ 163 h 163"/>
-              <a:gd name="T42" fmla="*/ 892 w 1902"/>
-              <a:gd name="T43" fmla="*/ 163 h 163"/>
-              <a:gd name="T44" fmla="*/ 1033 w 1902"/>
-              <a:gd name="T45" fmla="*/ 163 h 163"/>
-              <a:gd name="T46" fmla="*/ 1225 w 1902"/>
-              <a:gd name="T47" fmla="*/ 163 h 163"/>
-              <a:gd name="T48" fmla="*/ 1348 w 1902"/>
-              <a:gd name="T49" fmla="*/ 163 h 163"/>
-              <a:gd name="T50" fmla="*/ 1363 w 1902"/>
-              <a:gd name="T51" fmla="*/ 163 h 163"/>
-              <a:gd name="T52" fmla="*/ 1819 w 1902"/>
-              <a:gd name="T53" fmla="*/ 163 h 163"/>
-              <a:gd name="T54" fmla="*/ 1825 w 1902"/>
-              <a:gd name="T55" fmla="*/ 161 h 163"/>
-              <a:gd name="T56" fmla="*/ 1826 w 1902"/>
-              <a:gd name="T57" fmla="*/ 160 h 163"/>
-              <a:gd name="T58" fmla="*/ 1900 w 1902"/>
-              <a:gd name="T59" fmla="*/ 86 h 163"/>
-              <a:gd name="T60" fmla="*/ 1900 w 1902"/>
-              <a:gd name="T61" fmla="*/ 77 h 163"/>
-            </a:gdLst>
-            <a:ahLst/>
-            <a:cxnLst>
-              <a:cxn ang="0">
-                <a:pos x="T0" y="T1"/>
-              </a:cxn>
-              <a:cxn ang="0">
-                <a:pos x="T2" y="T3"/>
-              </a:cxn>
-              <a:cxn ang="0">
-                <a:pos x="T4" y="T5"/>
-              </a:cxn>
-              <a:cxn ang="0">
-                <a:pos x="T6" y="T7"/>
-              </a:cxn>
-              <a:cxn ang="0">
-                <a:pos x="T8" y="T9"/>
-              </a:cxn>
-              <a:cxn ang="0">
-                <a:pos x="T10" y="T11"/>
-              </a:cxn>
-              <a:cxn ang="0">
-                <a:pos x="T12" y="T13"/>
-              </a:cxn>
-              <a:cxn ang="0">
-                <a:pos x="T14" y="T15"/>
-              </a:cxn>
-              <a:cxn ang="0">
-                <a:pos x="T16" y="T17"/>
-              </a:cxn>
-              <a:cxn ang="0">
-                <a:pos x="T18" y="T19"/>
-              </a:cxn>
-              <a:cxn ang="0">
-                <a:pos x="T20" y="T21"/>
-              </a:cxn>
-              <a:cxn ang="0">
-                <a:pos x="T22" y="T23"/>
-              </a:cxn>
-              <a:cxn ang="0">
-                <a:pos x="T24" y="T25"/>
-              </a:cxn>
-              <a:cxn ang="0">
-                <a:pos x="T26" y="T27"/>
-              </a:cxn>
-              <a:cxn ang="0">
-                <a:pos x="T28" y="T29"/>
-              </a:cxn>
-              <a:cxn ang="0">
-                <a:pos x="T30" y="T31"/>
-              </a:cxn>
-              <a:cxn ang="0">
-                <a:pos x="T32" y="T33"/>
-              </a:cxn>
-              <a:cxn ang="0">
-                <a:pos x="T34" y="T35"/>
-              </a:cxn>
-              <a:cxn ang="0">
-                <a:pos x="T36" y="T37"/>
-              </a:cxn>
-              <a:cxn ang="0">
-                <a:pos x="T38" y="T39"/>
-              </a:cxn>
-              <a:cxn ang="0">
-                <a:pos x="T40" y="T41"/>
-              </a:cxn>
-              <a:cxn ang="0">
-                <a:pos x="T42" y="T43"/>
-              </a:cxn>
-              <a:cxn ang="0">
-                <a:pos x="T44" y="T45"/>
-              </a:cxn>
-              <a:cxn ang="0">
-                <a:pos x="T46" y="T47"/>
-              </a:cxn>
-              <a:cxn ang="0">
-                <a:pos x="T48" y="T49"/>
-              </a:cxn>
-              <a:cxn ang="0">
-                <a:pos x="T50" y="T51"/>
-              </a:cxn>
-              <a:cxn ang="0">
-                <a:pos x="T52" y="T53"/>
-              </a:cxn>
-              <a:cxn ang="0">
-                <a:pos x="T54" y="T55"/>
-              </a:cxn>
-              <a:cxn ang="0">
-                <a:pos x="T56" y="T57"/>
-              </a:cxn>
-              <a:cxn ang="0">
-                <a:pos x="T58" y="T59"/>
-              </a:cxn>
-              <a:cxn ang="0">
-                <a:pos x="T60" y="T61"/>
-              </a:cxn>
-            </a:cxnLst>
-            <a:rect l="0" t="0" r="r" b="b"/>
-            <a:pathLst>
-              <a:path w="1902" h="163">
-                <a:moveTo>
-                  <a:pt x="1900" y="77"/>
-                </a:moveTo>
-                <a:cubicBezTo>
-                  <a:pt x="1826" y="3"/>
-                  <a:pt x="1826" y="3"/>
-                  <a:pt x="1826" y="3"/>
-                </a:cubicBezTo>
-                <a:cubicBezTo>
-                  <a:pt x="1825" y="2"/>
-                  <a:pt x="1825" y="2"/>
-                  <a:pt x="1825" y="2"/>
-                </a:cubicBezTo>
-                <a:cubicBezTo>
-                  <a:pt x="1823" y="1"/>
-                  <a:pt x="1821" y="0"/>
-                  <a:pt x="1819" y="0"/>
-                </a:cubicBezTo>
-                <a:cubicBezTo>
-                  <a:pt x="1363" y="0"/>
-                  <a:pt x="1363" y="0"/>
-                  <a:pt x="1363" y="0"/>
-                </a:cubicBezTo>
-                <a:cubicBezTo>
-                  <a:pt x="1348" y="0"/>
-                  <a:pt x="1348" y="0"/>
-                  <a:pt x="1348" y="0"/>
-                </a:cubicBezTo>
-                <a:cubicBezTo>
-                  <a:pt x="1225" y="0"/>
-                  <a:pt x="1225" y="0"/>
-                  <a:pt x="1225" y="0"/>
-                </a:cubicBezTo>
-                <a:cubicBezTo>
-                  <a:pt x="1033" y="0"/>
-                  <a:pt x="1033" y="0"/>
-                  <a:pt x="1033" y="0"/>
-                </a:cubicBezTo>
-                <a:cubicBezTo>
-                  <a:pt x="892" y="0"/>
-                  <a:pt x="892" y="0"/>
-                  <a:pt x="892" y="0"/>
-                </a:cubicBezTo>
-                <a:cubicBezTo>
-                  <a:pt x="786" y="0"/>
-                  <a:pt x="786" y="0"/>
-                  <a:pt x="786" y="0"/>
-                </a:cubicBezTo>
-                <a:cubicBezTo>
-                  <a:pt x="577" y="0"/>
-                  <a:pt x="577" y="0"/>
-                  <a:pt x="577" y="0"/>
-                </a:cubicBezTo>
-                <a:cubicBezTo>
-                  <a:pt x="562" y="0"/>
-                  <a:pt x="562" y="0"/>
-                  <a:pt x="562" y="0"/>
-                </a:cubicBezTo>
-                <a:cubicBezTo>
-                  <a:pt x="439" y="0"/>
-                  <a:pt x="439" y="0"/>
-                  <a:pt x="439" y="0"/>
-                </a:cubicBezTo>
-                <a:cubicBezTo>
-                  <a:pt x="106" y="0"/>
-                  <a:pt x="106" y="0"/>
-                  <a:pt x="106" y="0"/>
-                </a:cubicBezTo>
-                <a:cubicBezTo>
-                  <a:pt x="0" y="0"/>
-                  <a:pt x="0" y="0"/>
-                  <a:pt x="0" y="0"/>
-                </a:cubicBezTo>
-                <a:cubicBezTo>
-                  <a:pt x="0" y="163"/>
-                  <a:pt x="0" y="163"/>
-                  <a:pt x="0" y="163"/>
-                </a:cubicBezTo>
-                <a:cubicBezTo>
-                  <a:pt x="106" y="163"/>
-                  <a:pt x="106" y="163"/>
-                  <a:pt x="106" y="163"/>
-                </a:cubicBezTo>
-                <a:cubicBezTo>
-                  <a:pt x="439" y="163"/>
-                  <a:pt x="439" y="163"/>
-                  <a:pt x="439" y="163"/>
-                </a:cubicBezTo>
-                <a:cubicBezTo>
-                  <a:pt x="562" y="163"/>
-                  <a:pt x="562" y="163"/>
-                  <a:pt x="562" y="163"/>
-                </a:cubicBezTo>
-                <a:cubicBezTo>
-                  <a:pt x="577" y="163"/>
-                  <a:pt x="577" y="163"/>
-                  <a:pt x="577" y="163"/>
-                </a:cubicBezTo>
-                <a:cubicBezTo>
-                  <a:pt x="786" y="163"/>
-                  <a:pt x="786" y="163"/>
-                  <a:pt x="786" y="163"/>
-                </a:cubicBezTo>
-                <a:cubicBezTo>
-                  <a:pt x="892" y="163"/>
-                  <a:pt x="892" y="163"/>
-                  <a:pt x="892" y="163"/>
-                </a:cubicBezTo>
-                <a:cubicBezTo>
-                  <a:pt x="1033" y="163"/>
-                  <a:pt x="1033" y="163"/>
-                  <a:pt x="1033" y="163"/>
-                </a:cubicBezTo>
-                <a:cubicBezTo>
-                  <a:pt x="1225" y="163"/>
-                  <a:pt x="1225" y="163"/>
-                  <a:pt x="1225" y="163"/>
-                </a:cubicBezTo>
-                <a:cubicBezTo>
-                  <a:pt x="1348" y="163"/>
-                  <a:pt x="1348" y="163"/>
-                  <a:pt x="1348" y="163"/>
-                </a:cubicBezTo>
-                <a:cubicBezTo>
-                  <a:pt x="1363" y="163"/>
-                  <a:pt x="1363" y="163"/>
-                  <a:pt x="1363" y="163"/>
-                </a:cubicBezTo>
-                <a:cubicBezTo>
-                  <a:pt x="1819" y="163"/>
-                  <a:pt x="1819" y="163"/>
-                  <a:pt x="1819" y="163"/>
-                </a:cubicBezTo>
-                <a:cubicBezTo>
-                  <a:pt x="1821" y="163"/>
-                  <a:pt x="1823" y="162"/>
-                  <a:pt x="1825" y="161"/>
-                </a:cubicBezTo>
-                <a:cubicBezTo>
-                  <a:pt x="1825" y="160"/>
-                  <a:pt x="1825" y="160"/>
-                  <a:pt x="1826" y="160"/>
-                </a:cubicBezTo>
-                <a:cubicBezTo>
-                  <a:pt x="1900" y="86"/>
-                  <a:pt x="1900" y="86"/>
-                  <a:pt x="1900" y="86"/>
-                </a:cubicBezTo>
-                <a:cubicBezTo>
-                  <a:pt x="1902" y="83"/>
-                  <a:pt x="1902" y="79"/>
-                  <a:pt x="1900" y="77"/>
-                </a:cubicBezTo>
-                <a:close/>
-              </a:path>
-            </a:pathLst>
-          </a:custGeom>
-          <a:solidFill>
-            <a:schemeClr val="accent1"/>
-          </a:solidFill>
-          <a:ln>
-            <a:noFill/>
-          </a:ln>
-        </p:spPr>
-        <p:txBody>
-          <a:bodyPr vert="horz" wrap="square" lIns="91440" tIns="45720" rIns="91440" bIns="45720" numCol="1" anchor="t" anchorCtr="0" compatLnSpc="1">
-            <a:prstTxWarp prst="textNoShape">
-              <a:avLst/>
-            </a:prstTxWarp>
-          </a:bodyPr>
-          <a:lstStyle/>
-          <a:p>
-            <a:endParaRPr lang="en-US"/>
-          </a:p>
-        </p:txBody>
-      </p:sp>
-      <p:sp>
-        <p:nvSpPr>
-          <p:cNvPr id="2" name="Título 1">
-            <a:extLst>
-              <a:ext uri="{FF2B5EF4-FFF2-40B4-BE49-F238E27FC236}">
-                <a16:creationId xmlns:a16="http://schemas.microsoft.com/office/drawing/2014/main" id="{3071C07C-1BB6-4594-863E-555D7975BE5A}"/>
-              </a:ext>
-            </a:extLst>
-          </p:cNvPr>
-          <p:cNvSpPr>
-            <a:spLocks noGrp="1"/>
-          </p:cNvSpPr>
-          <p:nvPr>
-            <p:ph type="title"/>
-          </p:nvPr>
-        </p:nvSpPr>
-        <p:spPr>
-          <a:xfrm>
-            <a:off x="541867" y="787400"/>
-            <a:ext cx="7145866" cy="778933"/>
-          </a:xfrm>
-        </p:spPr>
-        <p:txBody>
-          <a:bodyPr anchor="ctr">
-            <a:normAutofit/>
-          </a:bodyPr>
-          <a:lstStyle/>
-          <a:p>
-            <a:pPr>
-              <a:lnSpc>
-                <a:spcPct val="90000"/>
-              </a:lnSpc>
-            </a:pPr>
-            <a:r>
-              <a:rPr lang="pt-BR" sz="2500">
-                <a:solidFill>
-                  <a:srgbClr val="FEFFFF"/>
-                </a:solidFill>
-              </a:rPr>
-              <a:t>Subsistema de Filtros e Avaliação</a:t>
-            </a:r>
-            <a:br>
-              <a:rPr lang="pt-BR" sz="2500">
-                <a:solidFill>
-                  <a:srgbClr val="FEFFFF"/>
-                </a:solidFill>
-              </a:rPr>
-            </a:br>
-            <a:endParaRPr lang="pt-PT" sz="2500">
-              <a:solidFill>
-                <a:srgbClr val="FEFFFF"/>
-              </a:solidFill>
-            </a:endParaRPr>
-          </a:p>
-        </p:txBody>
-      </p:sp>
-      <p:sp>
-        <p:nvSpPr>
-          <p:cNvPr id="3" name="Marcador de Posição de Conteúdo 2">
-            <a:extLst>
-              <a:ext uri="{FF2B5EF4-FFF2-40B4-BE49-F238E27FC236}">
-                <a16:creationId xmlns:a16="http://schemas.microsoft.com/office/drawing/2014/main" id="{11A85C4B-5A67-4DB1-8AE8-27B265967B99}"/>
-              </a:ext>
-            </a:extLst>
-          </p:cNvPr>
-          <p:cNvSpPr>
-            <a:spLocks noGrp="1"/>
-          </p:cNvSpPr>
-          <p:nvPr>
-            <p:ph idx="1"/>
-          </p:nvPr>
-        </p:nvSpPr>
-        <p:spPr>
-          <a:xfrm>
-            <a:off x="541867" y="2041525"/>
-            <a:ext cx="7145867" cy="3879222"/>
-          </a:xfrm>
-        </p:spPr>
-        <p:txBody>
-          <a:bodyPr>
-            <a:normAutofit/>
-          </a:bodyPr>
-          <a:lstStyle/>
-          <a:p>
-            <a:r>
-              <a:rPr lang="pt-BR" dirty="0">
-                <a:solidFill>
-                  <a:srgbClr val="FEFFFF"/>
-                </a:solidFill>
-              </a:rPr>
-              <a:t>Utilizador capaz de receber uma lista de estabelecimentos filtrados a seu gosto</a:t>
-            </a:r>
-          </a:p>
-          <a:p>
-            <a:r>
-              <a:rPr lang="pt-PT" dirty="0">
-                <a:solidFill>
-                  <a:srgbClr val="FEFFFF"/>
-                </a:solidFill>
-              </a:rPr>
-              <a:t>Utilizador capaz de fazer avaliações a estabelecimentos</a:t>
-            </a:r>
-            <a:endParaRPr lang="pt-BR" dirty="0">
-              <a:solidFill>
-                <a:srgbClr val="FEFFFF"/>
-              </a:solidFill>
-            </a:endParaRPr>
-          </a:p>
-          <a:p>
-            <a:r>
-              <a:rPr lang="pt-PT" dirty="0">
-                <a:solidFill>
-                  <a:srgbClr val="FEFFFF"/>
-                </a:solidFill>
-              </a:rPr>
-              <a:t>Utilizador capaz de aceder ao histórico de avaliações</a:t>
-            </a:r>
-          </a:p>
-        </p:txBody>
-      </p:sp>
-      <p:pic>
-        <p:nvPicPr>
-          <p:cNvPr id="11" name="Imagem 10">
-            <a:extLst>
-              <a:ext uri="{FF2B5EF4-FFF2-40B4-BE49-F238E27FC236}">
-                <a16:creationId xmlns:a16="http://schemas.microsoft.com/office/drawing/2014/main" id="{307F74F9-0404-4E8C-96B3-D078FD2256AC}"/>
-              </a:ext>
-            </a:extLst>
-          </p:cNvPr>
-          <p:cNvPicPr>
-            <a:picLocks noChangeAspect="1"/>
-          </p:cNvPicPr>
-          <p:nvPr/>
-        </p:nvPicPr>
-        <p:blipFill>
-          <a:blip r:embed="rId2"/>
-          <a:stretch>
-            <a:fillRect/>
-          </a:stretch>
-        </p:blipFill>
-        <p:spPr>
-          <a:xfrm>
-            <a:off x="8963627" y="4171442"/>
-            <a:ext cx="1247172" cy="2506881"/>
-          </a:xfrm>
-          <a:prstGeom prst="rect">
-            <a:avLst/>
-          </a:prstGeom>
-        </p:spPr>
-      </p:pic>
-      <p:pic>
-        <p:nvPicPr>
-          <p:cNvPr id="5" name="Imagem 4">
-            <a:extLst>
-              <a:ext uri="{FF2B5EF4-FFF2-40B4-BE49-F238E27FC236}">
-                <a16:creationId xmlns:a16="http://schemas.microsoft.com/office/drawing/2014/main" id="{03BEF007-EB55-420B-8E37-36A022D082B8}"/>
-              </a:ext>
-            </a:extLst>
-          </p:cNvPr>
-          <p:cNvPicPr>
-            <a:picLocks noChangeAspect="1"/>
-          </p:cNvPicPr>
-          <p:nvPr/>
-        </p:nvPicPr>
-        <p:blipFill>
-          <a:blip r:embed="rId3"/>
-          <a:stretch>
-            <a:fillRect/>
-          </a:stretch>
-        </p:blipFill>
-        <p:spPr>
-          <a:xfrm>
-            <a:off x="9430138" y="174081"/>
-            <a:ext cx="1904612" cy="3886966"/>
-          </a:xfrm>
-          <a:prstGeom prst="rect">
-            <a:avLst/>
-          </a:prstGeom>
-        </p:spPr>
-      </p:pic>
-      <p:pic>
-        <p:nvPicPr>
-          <p:cNvPr id="7" name="Imagem 6">
-            <a:extLst>
-              <a:ext uri="{FF2B5EF4-FFF2-40B4-BE49-F238E27FC236}">
-                <a16:creationId xmlns:a16="http://schemas.microsoft.com/office/drawing/2014/main" id="{3789C045-0EBB-4498-A926-1B6611FD708E}"/>
-              </a:ext>
-            </a:extLst>
-          </p:cNvPr>
-          <p:cNvPicPr>
-            <a:picLocks noChangeAspect="1"/>
-          </p:cNvPicPr>
-          <p:nvPr/>
-        </p:nvPicPr>
-        <p:blipFill>
-          <a:blip r:embed="rId4"/>
-          <a:stretch>
-            <a:fillRect/>
-          </a:stretch>
-        </p:blipFill>
-        <p:spPr>
-          <a:xfrm>
-            <a:off x="10409228" y="4152281"/>
-            <a:ext cx="1240905" cy="2506881"/>
-          </a:xfrm>
-          <a:prstGeom prst="rect">
-            <a:avLst/>
-          </a:prstGeom>
-        </p:spPr>
-      </p:pic>
-    </p:spTree>
-    <p:extLst>
-      <p:ext uri="{BB962C8B-B14F-4D97-AF65-F5344CB8AC3E}">
-        <p14:creationId xmlns:p14="http://schemas.microsoft.com/office/powerpoint/2010/main" val="3527560336"/>
-      </p:ext>
-    </p:extLst>
-  </p:cSld>
-  <p:clrMapOvr>
-    <a:overrideClrMapping bg1="dk1" tx1="lt1" bg2="dk2" tx2="lt2" accent1="accent1" accent2="accent2" accent3="accent3" accent4="accent4" accent5="accent5" accent6="accent6" hlink="hlink" folHlink="folHlink"/>
-  </p:clrMapOvr>
-</p:sld>
-</file>
-
-<file path=ppt/slides/slide7.xml><?xml version="1.0" encoding="utf-8"?>
-<p:sld xmlns:a="http://schemas.openxmlformats.org/drawingml/2006/main" xmlns:r="http://schemas.openxmlformats.org/officeDocument/2006/relationships" xmlns:p="http://schemas.openxmlformats.org/presentationml/2006/main">
-  <p:cSld>
-    <p:spTree>
-      <p:nvGrpSpPr>
-        <p:cNvPr id="1" name=""/>
-        <p:cNvGrpSpPr/>
-        <p:nvPr/>
-      </p:nvGrpSpPr>
-      <p:grpSpPr>
-        <a:xfrm>
-          <a:off x="0" y="0"/>
-          <a:ext cx="0" cy="0"/>
-          <a:chOff x="0" y="0"/>
-          <a:chExt cx="0" cy="0"/>
-        </a:xfrm>
-      </p:grpSpPr>
-      <p:sp>
-        <p:nvSpPr>
-          <p:cNvPr id="2" name="Título 1">
-            <a:extLst>
-              <a:ext uri="{FF2B5EF4-FFF2-40B4-BE49-F238E27FC236}">
-                <a16:creationId xmlns:a16="http://schemas.microsoft.com/office/drawing/2014/main" id="{4986204B-AC79-4CB6-9AEA-D1397D63CDEB}"/>
-              </a:ext>
-            </a:extLst>
-          </p:cNvPr>
-          <p:cNvSpPr>
-            <a:spLocks noGrp="1"/>
-          </p:cNvSpPr>
-          <p:nvPr>
-            <p:ph type="title"/>
-          </p:nvPr>
-        </p:nvSpPr>
-        <p:spPr/>
-        <p:txBody>
-          <a:bodyPr/>
-          <a:lstStyle/>
-          <a:p>
-            <a:r>
-              <a:rPr lang="pt-BR" dirty="0"/>
-              <a:t>Requisitos Rejeitados</a:t>
-            </a:r>
-            <a:endParaRPr lang="pt-PT" dirty="0"/>
-          </a:p>
-        </p:txBody>
-      </p:sp>
-      <p:sp>
-        <p:nvSpPr>
-          <p:cNvPr id="3" name="Marcador de Posição de Conteúdo 2">
-            <a:extLst>
-              <a:ext uri="{FF2B5EF4-FFF2-40B4-BE49-F238E27FC236}">
-                <a16:creationId xmlns:a16="http://schemas.microsoft.com/office/drawing/2014/main" id="{4FFD88B3-9FCF-4777-8A54-EEB3B38B6CBB}"/>
-              </a:ext>
-            </a:extLst>
-          </p:cNvPr>
-          <p:cNvSpPr>
-            <a:spLocks noGrp="1"/>
-          </p:cNvSpPr>
-          <p:nvPr>
-            <p:ph idx="1"/>
-          </p:nvPr>
-        </p:nvSpPr>
-        <p:spPr/>
-        <p:txBody>
-          <a:bodyPr/>
-          <a:lstStyle/>
-          <a:p>
-            <a:r>
-              <a:rPr lang="pt-BR" dirty="0"/>
-              <a:t>Implementação de um sistema de ranks</a:t>
-            </a:r>
-          </a:p>
-          <a:p>
-            <a:r>
-              <a:rPr lang="pt-BR" dirty="0"/>
-              <a:t>Criação de roteiros</a:t>
-            </a:r>
-          </a:p>
-          <a:p>
-            <a:r>
-              <a:rPr lang="pt-BR" dirty="0"/>
-              <a:t>Utilizadores premium</a:t>
-            </a:r>
-          </a:p>
-          <a:p>
-            <a:r>
-              <a:rPr lang="pt-BR" dirty="0"/>
-              <a:t>Apresentação de direções em tempo real</a:t>
-            </a:r>
-            <a:r>
-              <a:rPr lang="pt-PT" dirty="0"/>
-              <a:t> no contexto da aplicação</a:t>
-            </a:r>
-          </a:p>
-          <a:p>
-            <a:r>
-              <a:rPr lang="pt-PT" dirty="0"/>
-              <a:t>Implementação de promoções da parte dos estabelecimentos</a:t>
-            </a:r>
-          </a:p>
-        </p:txBody>
-      </p:sp>
-    </p:spTree>
-    <p:extLst>
-      <p:ext uri="{BB962C8B-B14F-4D97-AF65-F5344CB8AC3E}">
-        <p14:creationId xmlns:p14="http://schemas.microsoft.com/office/powerpoint/2010/main" val="4242020455"/>
-      </p:ext>
-    </p:extLst>
-  </p:cSld>
-  <p:clrMapOvr>
-    <a:masterClrMapping/>
-  </p:clrMapOvr>
-</p:sld>
-</file>
-
-<file path=ppt/slides/slide8.xml><?xml version="1.0" encoding="utf-8"?>
-<p:sld xmlns:a="http://schemas.openxmlformats.org/drawingml/2006/main" xmlns:r="http://schemas.openxmlformats.org/officeDocument/2006/relationships" xmlns:p="http://schemas.openxmlformats.org/presentationml/2006/main">
-  <p:cSld>
-    <p:bg>
-      <p:bgPr>
-        <a:gradFill rotWithShape="1">
-          <a:gsLst>
-            <a:gs pos="0">
-              <a:schemeClr val="bg2">
-                <a:tint val="90000"/>
-                <a:satMod val="92000"/>
-                <a:lumMod val="120000"/>
-              </a:schemeClr>
-            </a:gs>
-            <a:gs pos="100000">
-              <a:schemeClr val="bg2">
-                <a:shade val="98000"/>
-                <a:satMod val="120000"/>
-                <a:lumMod val="98000"/>
-              </a:schemeClr>
-            </a:gs>
-          </a:gsLst>
-          <a:path path="circle">
-            <a:fillToRect l="50000" t="50000" r="100000" b="100000"/>
-          </a:path>
-        </a:gradFill>
-        <a:effectLst/>
-      </p:bgPr>
-    </p:bg>
-    <p:spTree>
-      <p:nvGrpSpPr>
-        <p:cNvPr id="1" name=""/>
-        <p:cNvGrpSpPr/>
-        <p:nvPr/>
-      </p:nvGrpSpPr>
-      <p:grpSpPr>
-        <a:xfrm>
-          <a:off x="0" y="0"/>
-          <a:ext cx="0" cy="0"/>
-          <a:chOff x="0" y="0"/>
-          <a:chExt cx="0" cy="0"/>
-        </a:xfrm>
-      </p:grpSpPr>
-      <p:sp useBgFill="1">
-        <p:nvSpPr>
-          <p:cNvPr id="10" name="Rectangle 9">
-            <a:extLst>
-              <a:ext uri="{FF2B5EF4-FFF2-40B4-BE49-F238E27FC236}">
-                <a16:creationId xmlns:a16="http://schemas.microsoft.com/office/drawing/2014/main" id="{3F4C104D-5F30-4811-9376-566B26E4719A}"/>
+                <a16:creationId xmlns:a16="http://schemas.microsoft.com/office/drawing/2014/main" id="{9F2E081B-CB5A-48B7-A440-B179A2EFBCE9}"/>
               </a:ext>
               <a:ext uri="{C183D7F6-B498-43B3-948B-1728B52AA6E4}">
                 <adec:decorative xmlns:adec="http://schemas.microsoft.com/office/drawing/2017/decorative" val="1"/>
@@ -10155,7 +9610,7 @@
           <p:cNvPr id="2" name="Título 1">
             <a:extLst>
               <a:ext uri="{FF2B5EF4-FFF2-40B4-BE49-F238E27FC236}">
-                <a16:creationId xmlns:a16="http://schemas.microsoft.com/office/drawing/2014/main" id="{46D0BF31-DCE0-45BC-923C-510BF672DD00}"/>
+                <a16:creationId xmlns:a16="http://schemas.microsoft.com/office/drawing/2014/main" id="{7C05A58C-833D-4835-96FF-6B76BC4FE1B1}"/>
               </a:ext>
             </a:extLst>
           </p:cNvPr>
@@ -10180,18 +9635,18 @@
           <a:p>
             <a:r>
               <a:rPr lang="pt-BR"/>
-              <a:t>Base de Dados</a:t>
-            </a:r>
-            <a:endParaRPr lang="pt-PT" dirty="0"/>
-          </a:p>
-        </p:txBody>
-      </p:sp>
-      <p:sp>
-        <p:nvSpPr>
-          <p:cNvPr id="12" name="Rectangle 11">
+              <a:t>Subsistema de Localização</a:t>
+            </a:r>
+            <a:endParaRPr lang="pt-PT"/>
+          </a:p>
+        </p:txBody>
+      </p:sp>
+      <p:sp>
+        <p:nvSpPr>
+          <p:cNvPr id="14" name="Rectangle 13">
             <a:extLst>
               <a:ext uri="{FF2B5EF4-FFF2-40B4-BE49-F238E27FC236}">
-                <a16:creationId xmlns:a16="http://schemas.microsoft.com/office/drawing/2014/main" id="{0815E34B-5D02-4E01-A936-E8E1C0AB6F12}"/>
+                <a16:creationId xmlns:a16="http://schemas.microsoft.com/office/drawing/2014/main" id="{012F442E-AE2B-4E8D-B609-E1E0A01DA023}"/>
               </a:ext>
               <a:ext uri="{C183D7F6-B498-43B3-948B-1728B52AA6E4}">
                 <adec:decorative xmlns:adec="http://schemas.microsoft.com/office/drawing/2017/decorative" val="1"/>
@@ -10245,7 +9700,7 @@
           <p:cNvPr id="3" name="Marcador de Posição de Conteúdo 2">
             <a:extLst>
               <a:ext uri="{FF2B5EF4-FFF2-40B4-BE49-F238E27FC236}">
-                <a16:creationId xmlns:a16="http://schemas.microsoft.com/office/drawing/2014/main" id="{B708B130-7562-476C-AE47-7C0FCF48355A}"/>
+                <a16:creationId xmlns:a16="http://schemas.microsoft.com/office/drawing/2014/main" id="{E1F48BF1-C018-4306-A983-D6B8D9CE168F}"/>
               </a:ext>
             </a:extLst>
           </p:cNvPr>
@@ -10269,40 +9724,25 @@
           <a:lstStyle/>
           <a:p>
             <a:r>
-              <a:rPr lang="pt-BR" dirty="0"/>
-              <a:t>Estabelecimento Nocturno</a:t>
-            </a:r>
-            <a:r>
-              <a:rPr lang="pt-PT" dirty="0"/>
-              <a:t>s</a:t>
-            </a:r>
-          </a:p>
-          <a:p>
-            <a:r>
-              <a:rPr lang="pt-PT" dirty="0"/>
-              <a:t>Avaliações</a:t>
-            </a:r>
-          </a:p>
-          <a:p>
-            <a:r>
-              <a:rPr lang="pt-PT" dirty="0"/>
-              <a:t>Utilizadores</a:t>
-            </a:r>
-          </a:p>
-          <a:p>
-            <a:r>
-              <a:rPr lang="pt-BR" dirty="0"/>
-              <a:t>Imagens</a:t>
-            </a:r>
+              <a:rPr lang="pt-BR" sz="1400" dirty="0"/>
+              <a:t>Utilizador capaz de atualizar a sua localização</a:t>
+            </a:r>
+          </a:p>
+          <a:p>
+            <a:r>
+              <a:rPr lang="pt-BR" sz="1400" dirty="0"/>
+              <a:t>Utilizador capaz de consultar localização de um estabelecimento e receber direções para o mesmo</a:t>
+            </a:r>
+            <a:endParaRPr lang="pt-PT" sz="1400" dirty="0"/>
           </a:p>
         </p:txBody>
       </p:sp>
       <p:pic>
         <p:nvPicPr>
-          <p:cNvPr id="5" name="Imagem 4">
+          <p:cNvPr id="6" name="Imagem 5">
             <a:extLst>
               <a:ext uri="{FF2B5EF4-FFF2-40B4-BE49-F238E27FC236}">
-                <a16:creationId xmlns:a16="http://schemas.microsoft.com/office/drawing/2014/main" id="{BBDD22E5-C3CE-49F5-91B8-9F9BEA9501FD}"/>
+                <a16:creationId xmlns:a16="http://schemas.microsoft.com/office/drawing/2014/main" id="{F6AB6578-16CA-4C02-90C0-3C705EE7A2A9}"/>
               </a:ext>
             </a:extLst>
           </p:cNvPr>
@@ -10319,20 +9759,78 @@
         </p:blipFill>
         <p:spPr>
           <a:xfrm>
-            <a:off x="4765848" y="2056945"/>
-            <a:ext cx="6953577" cy="3581092"/>
+            <a:off x="7024617" y="630435"/>
+            <a:ext cx="2383562" cy="4791080"/>
           </a:xfrm>
           <a:prstGeom prst="rect">
             <a:avLst/>
           </a:prstGeom>
         </p:spPr>
       </p:pic>
-      <p:sp>
-        <p:nvSpPr>
-          <p:cNvPr id="14" name="Freeform 11">
+      <p:pic>
+        <p:nvPicPr>
+          <p:cNvPr id="7" name="Imagem 6">
             <a:extLst>
               <a:ext uri="{FF2B5EF4-FFF2-40B4-BE49-F238E27FC236}">
-                <a16:creationId xmlns:a16="http://schemas.microsoft.com/office/drawing/2014/main" id="{7DE3414B-B032-4710-A468-D3285E38C5FF}"/>
+                <a16:creationId xmlns:a16="http://schemas.microsoft.com/office/drawing/2014/main" id="{50F2260A-D772-4933-B1FD-FD2CE2A1723C}"/>
+              </a:ext>
+            </a:extLst>
+          </p:cNvPr>
+          <p:cNvPicPr>
+            <a:picLocks noChangeAspect="1"/>
+          </p:cNvPicPr>
+          <p:nvPr/>
+        </p:nvPicPr>
+        <p:blipFill rotWithShape="1">
+          <a:blip r:embed="rId3"/>
+          <a:srcRect r="384" b="-1"/>
+          <a:stretch/>
+        </p:blipFill>
+        <p:spPr>
+          <a:xfrm>
+            <a:off x="9631307" y="645105"/>
+            <a:ext cx="2383562" cy="4761741"/>
+          </a:xfrm>
+          <a:prstGeom prst="rect">
+            <a:avLst/>
+          </a:prstGeom>
+        </p:spPr>
+      </p:pic>
+      <p:pic>
+        <p:nvPicPr>
+          <p:cNvPr id="5" name="Imagem 4">
+            <a:extLst>
+              <a:ext uri="{FF2B5EF4-FFF2-40B4-BE49-F238E27FC236}">
+                <a16:creationId xmlns:a16="http://schemas.microsoft.com/office/drawing/2014/main" id="{AA2B2020-277E-4D26-AD02-9493A4A4457B}"/>
+              </a:ext>
+            </a:extLst>
+          </p:cNvPr>
+          <p:cNvPicPr>
+            <a:picLocks noChangeAspect="1"/>
+          </p:cNvPicPr>
+          <p:nvPr/>
+        </p:nvPicPr>
+        <p:blipFill rotWithShape="1">
+          <a:blip r:embed="rId4"/>
+          <a:srcRect r="-3" b="1379"/>
+          <a:stretch/>
+        </p:blipFill>
+        <p:spPr>
+          <a:xfrm>
+            <a:off x="4386674" y="645106"/>
+            <a:ext cx="2378020" cy="4761741"/>
+          </a:xfrm>
+          <a:prstGeom prst="rect">
+            <a:avLst/>
+          </a:prstGeom>
+        </p:spPr>
+      </p:pic>
+      <p:sp>
+        <p:nvSpPr>
+          <p:cNvPr id="16" name="Freeform 11">
+            <a:extLst>
+              <a:ext uri="{FF2B5EF4-FFF2-40B4-BE49-F238E27FC236}">
+                <a16:creationId xmlns:a16="http://schemas.microsoft.com/office/drawing/2014/main" id="{85667E18-65F1-4B6C-B237-5784682F8A63}"/>
               </a:ext>
               <a:ext uri="{C183D7F6-B498-43B3-948B-1728B52AA6E4}">
                 <adec:decorative xmlns:adec="http://schemas.microsoft.com/office/drawing/2017/decorative" val="1"/>
@@ -10547,7 +10045,7 @@
     </p:spTree>
     <p:extLst>
       <p:ext uri="{BB962C8B-B14F-4D97-AF65-F5344CB8AC3E}">
-        <p14:creationId xmlns:p14="http://schemas.microsoft.com/office/powerpoint/2010/main" val="2218898846"/>
+        <p14:creationId xmlns:p14="http://schemas.microsoft.com/office/powerpoint/2010/main" val="3767045275"/>
       </p:ext>
     </p:extLst>
   </p:cSld>
@@ -10557,7 +10055,7 @@
 </p:sld>
 </file>
 
-<file path=ppt/slides/slide9.xml><?xml version="1.0" encoding="utf-8"?>
+<file path=ppt/slides/slide7.xml><?xml version="1.0" encoding="utf-8"?>
 <p:sld xmlns:a="http://schemas.openxmlformats.org/drawingml/2006/main" xmlns:r="http://schemas.openxmlformats.org/officeDocument/2006/relationships" xmlns:p="http://schemas.openxmlformats.org/presentationml/2006/main">
   <p:cSld>
     <p:spTree>
@@ -10579,7 +10077,7 @@
           <p:cNvPr id="2" name="Título 1">
             <a:extLst>
               <a:ext uri="{FF2B5EF4-FFF2-40B4-BE49-F238E27FC236}">
-                <a16:creationId xmlns:a16="http://schemas.microsoft.com/office/drawing/2014/main" id="{A64C222F-273A-4B57-9A5F-904C1AB1FA4A}"/>
+                <a16:creationId xmlns:a16="http://schemas.microsoft.com/office/drawing/2014/main" id="{4986204B-AC79-4CB6-9AEA-D1397D63CDEB}"/>
               </a:ext>
             </a:extLst>
           </p:cNvPr>
@@ -10597,7 +10095,7 @@
           <a:p>
             <a:r>
               <a:rPr lang="pt-BR" dirty="0"/>
-              <a:t>Conclusão</a:t>
+              <a:t>Requisitos Rejeitados</a:t>
             </a:r>
             <a:endParaRPr lang="pt-PT" dirty="0"/>
           </a:p>
@@ -10608,7 +10106,7 @@
           <p:cNvPr id="3" name="Marcador de Posição de Conteúdo 2">
             <a:extLst>
               <a:ext uri="{FF2B5EF4-FFF2-40B4-BE49-F238E27FC236}">
-                <a16:creationId xmlns:a16="http://schemas.microsoft.com/office/drawing/2014/main" id="{282D3004-3481-4007-AD74-4D4B2A6C5DF1}"/>
+                <a16:creationId xmlns:a16="http://schemas.microsoft.com/office/drawing/2014/main" id="{4FFD88B3-9FCF-4777-8A54-EEB3B38B6CBB}"/>
               </a:ext>
             </a:extLst>
           </p:cNvPr>
@@ -10624,9 +10122,857 @@
           <a:bodyPr/>
           <a:lstStyle/>
           <a:p>
+            <a:r>
+              <a:rPr lang="pt-BR" dirty="0"/>
+              <a:t>Implementação de um sistema de ranks</a:t>
+            </a:r>
+          </a:p>
+          <a:p>
+            <a:r>
+              <a:rPr lang="pt-BR" dirty="0"/>
+              <a:t>Criação de roteiros</a:t>
+            </a:r>
+          </a:p>
+          <a:p>
+            <a:r>
+              <a:rPr lang="pt-BR" dirty="0"/>
+              <a:t>Utilizadores premium</a:t>
+            </a:r>
+          </a:p>
+          <a:p>
+            <a:r>
+              <a:rPr lang="pt-BR" dirty="0"/>
+              <a:t>Apresentação de direções em tempo real</a:t>
+            </a:r>
+            <a:r>
+              <a:rPr lang="pt-PT" dirty="0"/>
+              <a:t> no contexto da aplicação</a:t>
+            </a:r>
+          </a:p>
+          <a:p>
+            <a:r>
+              <a:rPr lang="pt-PT" dirty="0"/>
+              <a:t>Implementação de promoções da parte dos estabelecimentos</a:t>
+            </a:r>
+          </a:p>
+        </p:txBody>
+      </p:sp>
+    </p:spTree>
+    <p:extLst>
+      <p:ext uri="{BB962C8B-B14F-4D97-AF65-F5344CB8AC3E}">
+        <p14:creationId xmlns:p14="http://schemas.microsoft.com/office/powerpoint/2010/main" val="4242020455"/>
+      </p:ext>
+    </p:extLst>
+  </p:cSld>
+  <p:clrMapOvr>
+    <a:masterClrMapping/>
+  </p:clrMapOvr>
+</p:sld>
+</file>
+
+<file path=ppt/slides/slide8.xml><?xml version="1.0" encoding="utf-8"?>
+<p:sld xmlns:a="http://schemas.openxmlformats.org/drawingml/2006/main" xmlns:r="http://schemas.openxmlformats.org/officeDocument/2006/relationships" xmlns:p="http://schemas.openxmlformats.org/presentationml/2006/main">
+  <p:cSld>
+    <p:bg>
+      <p:bgPr>
+        <a:gradFill rotWithShape="1">
+          <a:gsLst>
+            <a:gs pos="0">
+              <a:schemeClr val="bg2">
+                <a:tint val="90000"/>
+                <a:satMod val="92000"/>
+                <a:lumMod val="120000"/>
+              </a:schemeClr>
+            </a:gs>
+            <a:gs pos="100000">
+              <a:schemeClr val="bg2">
+                <a:shade val="98000"/>
+                <a:satMod val="120000"/>
+                <a:lumMod val="98000"/>
+              </a:schemeClr>
+            </a:gs>
+          </a:gsLst>
+          <a:path path="circle">
+            <a:fillToRect l="50000" t="50000" r="100000" b="100000"/>
+          </a:path>
+        </a:gradFill>
+        <a:effectLst/>
+      </p:bgPr>
+    </p:bg>
+    <p:spTree>
+      <p:nvGrpSpPr>
+        <p:cNvPr id="1" name=""/>
+        <p:cNvGrpSpPr/>
+        <p:nvPr/>
+      </p:nvGrpSpPr>
+      <p:grpSpPr>
+        <a:xfrm>
+          <a:off x="0" y="0"/>
+          <a:ext cx="0" cy="0"/>
+          <a:chOff x="0" y="0"/>
+          <a:chExt cx="0" cy="0"/>
+        </a:xfrm>
+      </p:grpSpPr>
+      <p:sp useBgFill="1">
+        <p:nvSpPr>
+          <p:cNvPr id="10" name="Rectangle 9">
+            <a:extLst>
+              <a:ext uri="{FF2B5EF4-FFF2-40B4-BE49-F238E27FC236}">
+                <a16:creationId xmlns:a16="http://schemas.microsoft.com/office/drawing/2014/main" id="{3F4C104D-5F30-4811-9376-566B26E4719A}"/>
+              </a:ext>
+              <a:ext uri="{C183D7F6-B498-43B3-948B-1728B52AA6E4}">
+                <adec:decorative xmlns:adec="http://schemas.microsoft.com/office/drawing/2017/decorative" val="1"/>
+              </a:ext>
+            </a:extLst>
+          </p:cNvPr>
+          <p:cNvSpPr>
+            <a:spLocks noGrp="1" noRot="1" noChangeAspect="1" noMove="1" noResize="1" noEditPoints="1" noAdjustHandles="1" noChangeArrowheads="1" noChangeShapeType="1" noTextEdit="1"/>
+          </p:cNvSpPr>
+          <p:nvPr>
+            <p:extLst>
+              <p:ext uri="{386F3935-93C4-4BCD-93E2-E3B085C9AB24}">
+                <p16:designElem xmlns:p16="http://schemas.microsoft.com/office/powerpoint/2015/main" val="1"/>
+              </p:ext>
+            </p:extLst>
+          </p:nvPr>
+        </p:nvSpPr>
+        <p:spPr>
+          <a:xfrm>
+            <a:off x="0" y="-786"/>
+            <a:ext cx="12192000" cy="6854038"/>
+          </a:xfrm>
+          <a:prstGeom prst="rect">
+            <a:avLst/>
+          </a:prstGeom>
+          <a:ln>
+            <a:noFill/>
+          </a:ln>
+        </p:spPr>
+        <p:style>
+          <a:lnRef idx="2">
+            <a:schemeClr val="accent1">
+              <a:shade val="50000"/>
+            </a:schemeClr>
+          </a:lnRef>
+          <a:fillRef idx="1">
+            <a:schemeClr val="accent1"/>
+          </a:fillRef>
+          <a:effectRef idx="0">
+            <a:schemeClr val="accent1"/>
+          </a:effectRef>
+          <a:fontRef idx="minor">
+            <a:schemeClr val="lt1"/>
+          </a:fontRef>
+        </p:style>
+        <p:txBody>
+          <a:bodyPr rtlCol="0" anchor="ctr"/>
+          <a:lstStyle/>
+          <a:p>
+            <a:pPr algn="ctr"/>
+            <a:endParaRPr lang="en-US"/>
+          </a:p>
+        </p:txBody>
+      </p:sp>
+      <p:sp>
+        <p:nvSpPr>
+          <p:cNvPr id="2" name="Título 1">
+            <a:extLst>
+              <a:ext uri="{FF2B5EF4-FFF2-40B4-BE49-F238E27FC236}">
+                <a16:creationId xmlns:a16="http://schemas.microsoft.com/office/drawing/2014/main" id="{46D0BF31-DCE0-45BC-923C-510BF672DD00}"/>
+              </a:ext>
+            </a:extLst>
+          </p:cNvPr>
+          <p:cNvSpPr>
+            <a:spLocks noGrp="1"/>
+          </p:cNvSpPr>
+          <p:nvPr>
+            <p:ph type="title"/>
+          </p:nvPr>
+        </p:nvSpPr>
+        <p:spPr>
+          <a:xfrm>
+            <a:off x="649224" y="645106"/>
+            <a:ext cx="3650279" cy="1259894"/>
+          </a:xfrm>
+        </p:spPr>
+        <p:txBody>
+          <a:bodyPr>
+            <a:normAutofit/>
+          </a:bodyPr>
+          <a:lstStyle/>
+          <a:p>
+            <a:r>
+              <a:rPr lang="pt-BR"/>
+              <a:t>Base de Dados</a:t>
+            </a:r>
             <a:endParaRPr lang="pt-PT" dirty="0"/>
           </a:p>
         </p:txBody>
+      </p:sp>
+      <p:sp>
+        <p:nvSpPr>
+          <p:cNvPr id="12" name="Rectangle 11">
+            <a:extLst>
+              <a:ext uri="{FF2B5EF4-FFF2-40B4-BE49-F238E27FC236}">
+                <a16:creationId xmlns:a16="http://schemas.microsoft.com/office/drawing/2014/main" id="{0815E34B-5D02-4E01-A936-E8E1C0AB6F12}"/>
+              </a:ext>
+              <a:ext uri="{C183D7F6-B498-43B3-948B-1728B52AA6E4}">
+                <adec:decorative xmlns:adec="http://schemas.microsoft.com/office/drawing/2017/decorative" val="1"/>
+              </a:ext>
+            </a:extLst>
+          </p:cNvPr>
+          <p:cNvSpPr>
+            <a:spLocks noGrp="1" noRot="1" noChangeAspect="1" noMove="1" noResize="1" noEditPoints="1" noAdjustHandles="1" noChangeArrowheads="1" noChangeShapeType="1" noTextEdit="1"/>
+          </p:cNvSpPr>
+          <p:nvPr>
+            <p:extLst>
+              <p:ext uri="{386F3935-93C4-4BCD-93E2-E3B085C9AB24}">
+                <p16:designElem xmlns:p16="http://schemas.microsoft.com/office/powerpoint/2015/main" val="1"/>
+              </p:ext>
+            </p:extLst>
+          </p:nvPr>
+        </p:nvSpPr>
+        <p:spPr>
+          <a:xfrm>
+            <a:off x="0" y="0"/>
+            <a:ext cx="182880" cy="6858000"/>
+          </a:xfrm>
+          <a:prstGeom prst="rect">
+            <a:avLst/>
+          </a:prstGeom>
+          <a:solidFill>
+            <a:schemeClr val="tx2"/>
+          </a:solidFill>
+          <a:ln>
+            <a:noFill/>
+          </a:ln>
+          <a:effectLst/>
+        </p:spPr>
+        <p:style>
+          <a:lnRef idx="1">
+            <a:schemeClr val="accent1"/>
+          </a:lnRef>
+          <a:fillRef idx="3">
+            <a:schemeClr val="accent1"/>
+          </a:fillRef>
+          <a:effectRef idx="2">
+            <a:schemeClr val="accent1"/>
+          </a:effectRef>
+          <a:fontRef idx="minor">
+            <a:schemeClr val="lt1"/>
+          </a:fontRef>
+        </p:style>
+      </p:sp>
+      <p:sp>
+        <p:nvSpPr>
+          <p:cNvPr id="3" name="Marcador de Posição de Conteúdo 2">
+            <a:extLst>
+              <a:ext uri="{FF2B5EF4-FFF2-40B4-BE49-F238E27FC236}">
+                <a16:creationId xmlns:a16="http://schemas.microsoft.com/office/drawing/2014/main" id="{B708B130-7562-476C-AE47-7C0FCF48355A}"/>
+              </a:ext>
+            </a:extLst>
+          </p:cNvPr>
+          <p:cNvSpPr>
+            <a:spLocks noGrp="1"/>
+          </p:cNvSpPr>
+          <p:nvPr>
+            <p:ph idx="1"/>
+          </p:nvPr>
+        </p:nvSpPr>
+        <p:spPr>
+          <a:xfrm>
+            <a:off x="649225" y="2133600"/>
+            <a:ext cx="3650278" cy="3759253"/>
+          </a:xfrm>
+        </p:spPr>
+        <p:txBody>
+          <a:bodyPr>
+            <a:normAutofit/>
+          </a:bodyPr>
+          <a:lstStyle/>
+          <a:p>
+            <a:r>
+              <a:rPr lang="pt-BR" dirty="0"/>
+              <a:t>Estabelecimento Nocturno</a:t>
+            </a:r>
+            <a:r>
+              <a:rPr lang="pt-PT" dirty="0"/>
+              <a:t>s</a:t>
+            </a:r>
+          </a:p>
+          <a:p>
+            <a:r>
+              <a:rPr lang="pt-PT" dirty="0"/>
+              <a:t>Avaliações</a:t>
+            </a:r>
+          </a:p>
+          <a:p>
+            <a:r>
+              <a:rPr lang="pt-PT" dirty="0"/>
+              <a:t>Utilizadores</a:t>
+            </a:r>
+          </a:p>
+          <a:p>
+            <a:r>
+              <a:rPr lang="pt-BR" dirty="0"/>
+              <a:t>Imagens</a:t>
+            </a:r>
+          </a:p>
+        </p:txBody>
+      </p:sp>
+      <p:pic>
+        <p:nvPicPr>
+          <p:cNvPr id="5" name="Imagem 4">
+            <a:extLst>
+              <a:ext uri="{FF2B5EF4-FFF2-40B4-BE49-F238E27FC236}">
+                <a16:creationId xmlns:a16="http://schemas.microsoft.com/office/drawing/2014/main" id="{BBDD22E5-C3CE-49F5-91B8-9F9BEA9501FD}"/>
+              </a:ext>
+            </a:extLst>
+          </p:cNvPr>
+          <p:cNvPicPr>
+            <a:picLocks noChangeAspect="1"/>
+          </p:cNvPicPr>
+          <p:nvPr/>
+        </p:nvPicPr>
+        <p:blipFill>
+          <a:blip r:embed="rId2"/>
+          <a:stretch>
+            <a:fillRect/>
+          </a:stretch>
+        </p:blipFill>
+        <p:spPr>
+          <a:xfrm>
+            <a:off x="4765848" y="2056945"/>
+            <a:ext cx="6953577" cy="3581092"/>
+          </a:xfrm>
+          <a:prstGeom prst="rect">
+            <a:avLst/>
+          </a:prstGeom>
+        </p:spPr>
+      </p:pic>
+      <p:sp>
+        <p:nvSpPr>
+          <p:cNvPr id="14" name="Freeform 11">
+            <a:extLst>
+              <a:ext uri="{FF2B5EF4-FFF2-40B4-BE49-F238E27FC236}">
+                <a16:creationId xmlns:a16="http://schemas.microsoft.com/office/drawing/2014/main" id="{7DE3414B-B032-4710-A468-D3285E38C5FF}"/>
+              </a:ext>
+              <a:ext uri="{C183D7F6-B498-43B3-948B-1728B52AA6E4}">
+                <adec:decorative xmlns:adec="http://schemas.microsoft.com/office/drawing/2017/decorative" val="1"/>
+              </a:ext>
+            </a:extLst>
+          </p:cNvPr>
+          <p:cNvSpPr>
+            <a:spLocks noGrp="1" noRot="1" noChangeAspect="1" noMove="1" noResize="1" noEditPoints="1" noAdjustHandles="1" noChangeArrowheads="1" noChangeShapeType="1" noTextEdit="1"/>
+          </p:cNvSpPr>
+          <p:nvPr>
+            <p:extLst>
+              <p:ext uri="{386F3935-93C4-4BCD-93E2-E3B085C9AB24}">
+                <p16:designElem xmlns:p16="http://schemas.microsoft.com/office/powerpoint/2015/main" val="1"/>
+              </p:ext>
+            </p:extLst>
+          </p:nvPr>
+        </p:nvSpPr>
+        <p:spPr>
+          <a:xfrm>
+            <a:off x="-1" y="6061223"/>
+            <a:ext cx="1038036" cy="506277"/>
+          </a:xfrm>
+          <a:custGeom>
+            <a:avLst/>
+            <a:gdLst>
+              <a:gd name="connsiteX0" fmla="*/ 0 w 1038036"/>
+              <a:gd name="connsiteY0" fmla="*/ 0 h 506277"/>
+              <a:gd name="connsiteX1" fmla="*/ 182880 w 1038036"/>
+              <a:gd name="connsiteY1" fmla="*/ 0 h 506277"/>
+              <a:gd name="connsiteX2" fmla="*/ 291705 w 1038036"/>
+              <a:gd name="connsiteY2" fmla="*/ 0 h 506277"/>
+              <a:gd name="connsiteX3" fmla="*/ 291705 w 1038036"/>
+              <a:gd name="connsiteY3" fmla="*/ 151 h 506277"/>
+              <a:gd name="connsiteX4" fmla="*/ 692049 w 1038036"/>
+              <a:gd name="connsiteY4" fmla="*/ 705 h 506277"/>
+              <a:gd name="connsiteX5" fmla="*/ 782744 w 1038036"/>
+              <a:gd name="connsiteY5" fmla="*/ 705 h 506277"/>
+              <a:gd name="connsiteX6" fmla="*/ 797001 w 1038036"/>
+              <a:gd name="connsiteY6" fmla="*/ 5473 h 506277"/>
+              <a:gd name="connsiteX7" fmla="*/ 801982 w 1038036"/>
+              <a:gd name="connsiteY7" fmla="*/ 10242 h 506277"/>
+              <a:gd name="connsiteX8" fmla="*/ 1030951 w 1038036"/>
+              <a:gd name="connsiteY8" fmla="*/ 239185 h 506277"/>
+              <a:gd name="connsiteX9" fmla="*/ 1030951 w 1038036"/>
+              <a:gd name="connsiteY9" fmla="*/ 267797 h 506277"/>
+              <a:gd name="connsiteX10" fmla="*/ 801982 w 1038036"/>
+              <a:gd name="connsiteY10" fmla="*/ 496740 h 506277"/>
+              <a:gd name="connsiteX11" fmla="*/ 797001 w 1038036"/>
+              <a:gd name="connsiteY11" fmla="*/ 501508 h 506277"/>
+              <a:gd name="connsiteX12" fmla="*/ 782744 w 1038036"/>
+              <a:gd name="connsiteY12" fmla="*/ 506277 h 506277"/>
+              <a:gd name="connsiteX13" fmla="*/ 692049 w 1038036"/>
+              <a:gd name="connsiteY13" fmla="*/ 506277 h 506277"/>
+              <a:gd name="connsiteX14" fmla="*/ 291705 w 1038036"/>
+              <a:gd name="connsiteY14" fmla="*/ 505140 h 506277"/>
+              <a:gd name="connsiteX15" fmla="*/ 291705 w 1038036"/>
+              <a:gd name="connsiteY15" fmla="*/ 506277 h 506277"/>
+              <a:gd name="connsiteX16" fmla="*/ 0 w 1038036"/>
+              <a:gd name="connsiteY16" fmla="*/ 506277 h 506277"/>
+            </a:gdLst>
+            <a:ahLst/>
+            <a:cxnLst>
+              <a:cxn ang="0">
+                <a:pos x="connsiteX0" y="connsiteY0"/>
+              </a:cxn>
+              <a:cxn ang="0">
+                <a:pos x="connsiteX1" y="connsiteY1"/>
+              </a:cxn>
+              <a:cxn ang="0">
+                <a:pos x="connsiteX2" y="connsiteY2"/>
+              </a:cxn>
+              <a:cxn ang="0">
+                <a:pos x="connsiteX3" y="connsiteY3"/>
+              </a:cxn>
+              <a:cxn ang="0">
+                <a:pos x="connsiteX4" y="connsiteY4"/>
+              </a:cxn>
+              <a:cxn ang="0">
+                <a:pos x="connsiteX5" y="connsiteY5"/>
+              </a:cxn>
+              <a:cxn ang="0">
+                <a:pos x="connsiteX6" y="connsiteY6"/>
+              </a:cxn>
+              <a:cxn ang="0">
+                <a:pos x="connsiteX7" y="connsiteY7"/>
+              </a:cxn>
+              <a:cxn ang="0">
+                <a:pos x="connsiteX8" y="connsiteY8"/>
+              </a:cxn>
+              <a:cxn ang="0">
+                <a:pos x="connsiteX9" y="connsiteY9"/>
+              </a:cxn>
+              <a:cxn ang="0">
+                <a:pos x="connsiteX10" y="connsiteY10"/>
+              </a:cxn>
+              <a:cxn ang="0">
+                <a:pos x="connsiteX11" y="connsiteY11"/>
+              </a:cxn>
+              <a:cxn ang="0">
+                <a:pos x="connsiteX12" y="connsiteY12"/>
+              </a:cxn>
+              <a:cxn ang="0">
+                <a:pos x="connsiteX13" y="connsiteY13"/>
+              </a:cxn>
+              <a:cxn ang="0">
+                <a:pos x="connsiteX14" y="connsiteY14"/>
+              </a:cxn>
+              <a:cxn ang="0">
+                <a:pos x="connsiteX15" y="connsiteY15"/>
+              </a:cxn>
+              <a:cxn ang="0">
+                <a:pos x="connsiteX16" y="connsiteY16"/>
+              </a:cxn>
+            </a:cxnLst>
+            <a:rect l="l" t="t" r="r" b="b"/>
+            <a:pathLst>
+              <a:path w="1038036" h="506277">
+                <a:moveTo>
+                  <a:pt x="0" y="0"/>
+                </a:moveTo>
+                <a:lnTo>
+                  <a:pt x="182880" y="0"/>
+                </a:lnTo>
+                <a:lnTo>
+                  <a:pt x="291705" y="0"/>
+                </a:lnTo>
+                <a:lnTo>
+                  <a:pt x="291705" y="151"/>
+                </a:lnTo>
+                <a:lnTo>
+                  <a:pt x="692049" y="705"/>
+                </a:lnTo>
+                <a:lnTo>
+                  <a:pt x="782744" y="705"/>
+                </a:lnTo>
+                <a:cubicBezTo>
+                  <a:pt x="787553" y="705"/>
+                  <a:pt x="792363" y="5473"/>
+                  <a:pt x="797001" y="5473"/>
+                </a:cubicBezTo>
+                <a:cubicBezTo>
+                  <a:pt x="797001" y="10242"/>
+                  <a:pt x="801982" y="10242"/>
+                  <a:pt x="801982" y="10242"/>
+                </a:cubicBezTo>
+                <a:lnTo>
+                  <a:pt x="1030951" y="239185"/>
+                </a:lnTo>
+                <a:cubicBezTo>
+                  <a:pt x="1040398" y="248722"/>
+                  <a:pt x="1040398" y="258259"/>
+                  <a:pt x="1030951" y="267797"/>
+                </a:cubicBezTo>
+                <a:lnTo>
+                  <a:pt x="801982" y="496740"/>
+                </a:lnTo>
+                <a:cubicBezTo>
+                  <a:pt x="800436" y="498363"/>
+                  <a:pt x="798547" y="499885"/>
+                  <a:pt x="797001" y="501508"/>
+                </a:cubicBezTo>
+                <a:cubicBezTo>
+                  <a:pt x="792363" y="506277"/>
+                  <a:pt x="787553" y="506277"/>
+                  <a:pt x="782744" y="506277"/>
+                </a:cubicBezTo>
+                <a:lnTo>
+                  <a:pt x="692049" y="506277"/>
+                </a:lnTo>
+                <a:lnTo>
+                  <a:pt x="291705" y="505140"/>
+                </a:lnTo>
+                <a:lnTo>
+                  <a:pt x="291705" y="506277"/>
+                </a:lnTo>
+                <a:lnTo>
+                  <a:pt x="0" y="506277"/>
+                </a:lnTo>
+                <a:close/>
+              </a:path>
+            </a:pathLst>
+          </a:custGeom>
+          <a:ln>
+            <a:noFill/>
+          </a:ln>
+        </p:spPr>
+        <p:style>
+          <a:lnRef idx="2">
+            <a:schemeClr val="accent1">
+              <a:shade val="50000"/>
+            </a:schemeClr>
+          </a:lnRef>
+          <a:fillRef idx="1">
+            <a:schemeClr val="accent1"/>
+          </a:fillRef>
+          <a:effectRef idx="0">
+            <a:schemeClr val="accent1"/>
+          </a:effectRef>
+          <a:fontRef idx="minor">
+            <a:schemeClr val="lt1"/>
+          </a:fontRef>
+        </p:style>
+        <p:txBody>
+          <a:bodyPr rtlCol="0" anchor="ctr"/>
+          <a:lstStyle/>
+          <a:p>
+            <a:pPr algn="ctr"/>
+            <a:endParaRPr lang="en-US"/>
+          </a:p>
+        </p:txBody>
+      </p:sp>
+    </p:spTree>
+    <p:extLst>
+      <p:ext uri="{BB962C8B-B14F-4D97-AF65-F5344CB8AC3E}">
+        <p14:creationId xmlns:p14="http://schemas.microsoft.com/office/powerpoint/2010/main" val="2218898846"/>
+      </p:ext>
+    </p:extLst>
+  </p:cSld>
+  <p:clrMapOvr>
+    <a:masterClrMapping/>
+  </p:clrMapOvr>
+</p:sld>
+</file>
+
+<file path=ppt/slides/slide9.xml><?xml version="1.0" encoding="utf-8"?>
+<p:sld xmlns:a="http://schemas.openxmlformats.org/drawingml/2006/main" xmlns:r="http://schemas.openxmlformats.org/officeDocument/2006/relationships" xmlns:p="http://schemas.openxmlformats.org/presentationml/2006/main">
+  <p:cSld>
+    <p:bg>
+      <p:bgPr>
+        <a:solidFill>
+          <a:schemeClr val="bg1"/>
+        </a:solidFill>
+        <a:effectLst/>
+      </p:bgPr>
+    </p:bg>
+    <p:spTree>
+      <p:nvGrpSpPr>
+        <p:cNvPr id="1" name=""/>
+        <p:cNvGrpSpPr/>
+        <p:nvPr/>
+      </p:nvGrpSpPr>
+      <p:grpSpPr>
+        <a:xfrm>
+          <a:off x="0" y="0"/>
+          <a:ext cx="0" cy="0"/>
+          <a:chOff x="0" y="0"/>
+          <a:chExt cx="0" cy="0"/>
+        </a:xfrm>
+      </p:grpSpPr>
+      <p:sp useBgFill="1">
+        <p:nvSpPr>
+          <p:cNvPr id="71" name="Rectangle 70">
+            <a:extLst>
+              <a:ext uri="{FF2B5EF4-FFF2-40B4-BE49-F238E27FC236}">
+                <a16:creationId xmlns:a16="http://schemas.microsoft.com/office/drawing/2014/main" id="{763516C8-F227-4B77-9AA7-61B9A0B78253}"/>
+              </a:ext>
+              <a:ext uri="{C183D7F6-B498-43B3-948B-1728B52AA6E4}">
+                <adec:decorative xmlns:adec="http://schemas.microsoft.com/office/drawing/2017/decorative" val="1"/>
+              </a:ext>
+            </a:extLst>
+          </p:cNvPr>
+          <p:cNvSpPr>
+            <a:spLocks noGrp="1" noRot="1" noChangeAspect="1" noMove="1" noResize="1" noEditPoints="1" noAdjustHandles="1" noChangeArrowheads="1" noChangeShapeType="1" noTextEdit="1"/>
+          </p:cNvSpPr>
+          <p:nvPr>
+            <p:extLst>
+              <p:ext uri="{386F3935-93C4-4BCD-93E2-E3B085C9AB24}">
+                <p16:designElem xmlns:p16="http://schemas.microsoft.com/office/powerpoint/2015/main" val="1"/>
+              </p:ext>
+            </p:extLst>
+          </p:nvPr>
+        </p:nvSpPr>
+        <p:spPr>
+          <a:xfrm>
+            <a:off x="0" y="0"/>
+            <a:ext cx="12192000" cy="6854038"/>
+          </a:xfrm>
+          <a:prstGeom prst="rect">
+            <a:avLst/>
+          </a:prstGeom>
+          <a:ln>
+            <a:noFill/>
+          </a:ln>
+        </p:spPr>
+        <p:style>
+          <a:lnRef idx="2">
+            <a:schemeClr val="accent1">
+              <a:shade val="50000"/>
+            </a:schemeClr>
+          </a:lnRef>
+          <a:fillRef idx="1">
+            <a:schemeClr val="accent1"/>
+          </a:fillRef>
+          <a:effectRef idx="0">
+            <a:schemeClr val="accent1"/>
+          </a:effectRef>
+          <a:fontRef idx="minor">
+            <a:schemeClr val="lt1"/>
+          </a:fontRef>
+        </p:style>
+        <p:txBody>
+          <a:bodyPr rtlCol="0" anchor="ctr"/>
+          <a:lstStyle/>
+          <a:p>
+            <a:pPr algn="ctr"/>
+            <a:endParaRPr lang="en-US"/>
+          </a:p>
+        </p:txBody>
+      </p:sp>
+      <p:sp>
+        <p:nvSpPr>
+          <p:cNvPr id="73" name="Rectangle 72">
+            <a:extLst>
+              <a:ext uri="{FF2B5EF4-FFF2-40B4-BE49-F238E27FC236}">
+                <a16:creationId xmlns:a16="http://schemas.microsoft.com/office/drawing/2014/main" id="{D91B420C-C4C8-44DF-96B2-FBD1014646FE}"/>
+              </a:ext>
+              <a:ext uri="{C183D7F6-B498-43B3-948B-1728B52AA6E4}">
+                <adec:decorative xmlns:adec="http://schemas.microsoft.com/office/drawing/2017/decorative" val="1"/>
+              </a:ext>
+            </a:extLst>
+          </p:cNvPr>
+          <p:cNvSpPr>
+            <a:spLocks noGrp="1" noRot="1" noChangeAspect="1" noMove="1" noResize="1" noEditPoints="1" noAdjustHandles="1" noChangeArrowheads="1" noChangeShapeType="1" noTextEdit="1"/>
+          </p:cNvSpPr>
+          <p:nvPr>
+            <p:extLst>
+              <p:ext uri="{386F3935-93C4-4BCD-93E2-E3B085C9AB24}">
+                <p16:designElem xmlns:p16="http://schemas.microsoft.com/office/powerpoint/2015/main" val="1"/>
+              </p:ext>
+            </p:extLst>
+          </p:nvPr>
+        </p:nvSpPr>
+        <p:spPr>
+          <a:xfrm>
+            <a:off x="0" y="0"/>
+            <a:ext cx="182880" cy="6858000"/>
+          </a:xfrm>
+          <a:prstGeom prst="rect">
+            <a:avLst/>
+          </a:prstGeom>
+          <a:solidFill>
+            <a:schemeClr val="tx2"/>
+          </a:solidFill>
+          <a:ln>
+            <a:noFill/>
+          </a:ln>
+          <a:effectLst/>
+        </p:spPr>
+        <p:style>
+          <a:lnRef idx="1">
+            <a:schemeClr val="accent1"/>
+          </a:lnRef>
+          <a:fillRef idx="3">
+            <a:schemeClr val="accent1"/>
+          </a:fillRef>
+          <a:effectRef idx="2">
+            <a:schemeClr val="accent1"/>
+          </a:effectRef>
+          <a:fontRef idx="minor">
+            <a:schemeClr val="lt1"/>
+          </a:fontRef>
+        </p:style>
+      </p:sp>
+      <p:pic>
+        <p:nvPicPr>
+          <p:cNvPr id="1026" name="Picture 2" descr="Uma imagem com texto&#10;&#10;Descrição gerada automaticamente">
+            <a:extLst>
+              <a:ext uri="{FF2B5EF4-FFF2-40B4-BE49-F238E27FC236}">
+                <a16:creationId xmlns:a16="http://schemas.microsoft.com/office/drawing/2014/main" id="{13716113-D869-41D0-AFD2-74BA65730952}"/>
+              </a:ext>
+            </a:extLst>
+          </p:cNvPr>
+          <p:cNvPicPr>
+            <a:picLocks noChangeAspect="1" noChangeArrowheads="1"/>
+          </p:cNvPicPr>
+          <p:nvPr/>
+        </p:nvPicPr>
+        <p:blipFill>
+          <a:blip r:embed="rId2">
+            <a:extLst>
+              <a:ext uri="{28A0092B-C50C-407E-A947-70E740481C1C}">
+                <a14:useLocalDpi xmlns:a14="http://schemas.microsoft.com/office/drawing/2010/main" val="0"/>
+              </a:ext>
+            </a:extLst>
+          </a:blip>
+          <a:stretch>
+            <a:fillRect/>
+          </a:stretch>
+        </p:blipFill>
+        <p:spPr bwMode="auto">
+          <a:xfrm>
+            <a:off x="2506419" y="1942423"/>
+            <a:ext cx="8923813" cy="2816043"/>
+          </a:xfrm>
+          <a:prstGeom prst="rect">
+            <a:avLst/>
+          </a:prstGeom>
+          <a:noFill/>
+          <a:extLst>
+            <a:ext uri="{909E8E84-426E-40DD-AFC4-6F175D3DCCD1}">
+              <a14:hiddenFill xmlns:a14="http://schemas.microsoft.com/office/drawing/2010/main">
+                <a:solidFill>
+                  <a:srgbClr val="FFFFFF"/>
+                </a:solidFill>
+              </a14:hiddenFill>
+            </a:ext>
+            <a:ext uri="{91240B29-F687-4F45-9708-019B960494DF}">
+              <a14:hiddenLine xmlns:a14="http://schemas.microsoft.com/office/drawing/2010/main" w="9525">
+                <a:solidFill>
+                  <a:srgbClr val="000000"/>
+                </a:solidFill>
+                <a:miter lim="800000"/>
+                <a:headEnd/>
+                <a:tailEnd/>
+              </a14:hiddenLine>
+            </a:ext>
+          </a:extLst>
+        </p:spPr>
+      </p:pic>
+      <p:sp>
+        <p:nvSpPr>
+          <p:cNvPr id="75" name="Freeform 33">
+            <a:extLst>
+              <a:ext uri="{FF2B5EF4-FFF2-40B4-BE49-F238E27FC236}">
+                <a16:creationId xmlns:a16="http://schemas.microsoft.com/office/drawing/2014/main" id="{070928B1-3E69-44AC-A1EE-B4E4270A7A51}"/>
+              </a:ext>
+              <a:ext uri="{C183D7F6-B498-43B3-948B-1728B52AA6E4}">
+                <adec:decorative xmlns:adec="http://schemas.microsoft.com/office/drawing/2017/decorative" val="1"/>
+              </a:ext>
+            </a:extLst>
+          </p:cNvPr>
+          <p:cNvSpPr>
+            <a:spLocks noGrp="1" noRot="1" noChangeAspect="1" noMove="1" noResize="1" noEditPoints="1" noAdjustHandles="1" noChangeArrowheads="1" noChangeShapeType="1" noTextEdit="1"/>
+          </p:cNvSpPr>
+          <p:nvPr>
+            <p:extLst>
+              <p:ext uri="{386F3935-93C4-4BCD-93E2-E3B085C9AB24}">
+                <p16:designElem xmlns:p16="http://schemas.microsoft.com/office/powerpoint/2015/main" val="1"/>
+              </p:ext>
+            </p:extLst>
+          </p:nvPr>
+        </p:nvSpPr>
+        <p:spPr bwMode="auto">
+          <a:xfrm>
+            <a:off x="0" y="4369172"/>
+            <a:ext cx="1744652" cy="778589"/>
+          </a:xfrm>
+          <a:custGeom>
+            <a:avLst/>
+            <a:gdLst/>
+            <a:ahLst/>
+            <a:cxnLst/>
+            <a:rect l="0" t="0" r="r" b="b"/>
+            <a:pathLst>
+              <a:path w="372" h="166">
+                <a:moveTo>
+                  <a:pt x="287" y="166"/>
+                </a:moveTo>
+                <a:cubicBezTo>
+                  <a:pt x="290" y="166"/>
+                  <a:pt x="292" y="165"/>
+                  <a:pt x="293" y="164"/>
+                </a:cubicBezTo>
+                <a:cubicBezTo>
+                  <a:pt x="293" y="163"/>
+                  <a:pt x="294" y="163"/>
+                  <a:pt x="294" y="163"/>
+                </a:cubicBezTo>
+                <a:cubicBezTo>
+                  <a:pt x="370" y="87"/>
+                  <a:pt x="370" y="87"/>
+                  <a:pt x="370" y="87"/>
+                </a:cubicBezTo>
+                <a:cubicBezTo>
+                  <a:pt x="372" y="85"/>
+                  <a:pt x="372" y="81"/>
+                  <a:pt x="370" y="78"/>
+                </a:cubicBezTo>
+                <a:cubicBezTo>
+                  <a:pt x="294" y="3"/>
+                  <a:pt x="294" y="3"/>
+                  <a:pt x="294" y="3"/>
+                </a:cubicBezTo>
+                <a:cubicBezTo>
+                  <a:pt x="294" y="2"/>
+                  <a:pt x="293" y="2"/>
+                  <a:pt x="293" y="2"/>
+                </a:cubicBezTo>
+                <a:cubicBezTo>
+                  <a:pt x="292" y="1"/>
+                  <a:pt x="290" y="0"/>
+                  <a:pt x="287" y="0"/>
+                </a:cubicBezTo>
+                <a:cubicBezTo>
+                  <a:pt x="0" y="0"/>
+                  <a:pt x="0" y="0"/>
+                  <a:pt x="0" y="0"/>
+                </a:cubicBezTo>
+                <a:cubicBezTo>
+                  <a:pt x="0" y="166"/>
+                  <a:pt x="0" y="166"/>
+                  <a:pt x="0" y="166"/>
+                </a:cubicBezTo>
+                <a:lnTo>
+                  <a:pt x="287" y="166"/>
+                </a:lnTo>
+                <a:close/>
+              </a:path>
+            </a:pathLst>
+          </a:custGeom>
+          <a:solidFill>
+            <a:schemeClr val="accent1"/>
+          </a:solidFill>
+          <a:ln>
+            <a:noFill/>
+          </a:ln>
+        </p:spPr>
       </p:sp>
     </p:spTree>
     <p:extLst>

--- a/FunTracker.pptx
+++ b/FunTracker.pptx
@@ -7802,7 +7802,7 @@
             </a:pPr>
             <a:r>
               <a:rPr lang="pt-PT" dirty="0"/>
-              <a:t>João Pedro Fontes Delgado A93240 </a:t>
+              <a:t>João Pedro Fontes Delgado A93240</a:t>
             </a:r>
           </a:p>
         </p:txBody>
@@ -10095,7 +10095,7 @@
           <a:p>
             <a:r>
               <a:rPr lang="pt-BR" dirty="0"/>
-              <a:t>Requisitos Rejeitados</a:t>
+              <a:t>Requisitos Descartados</a:t>
             </a:r>
             <a:endParaRPr lang="pt-PT" dirty="0"/>
           </a:p>
